--- a/NewThesis/LaTex-template-package/Drawing4/auOverview.pptx
+++ b/NewThesis/LaTex-template-package/Drawing4/auOverview.pptx
@@ -2,7 +2,7 @@
 <file path=ppt/presentation.xml><?xml version="1.0" encoding="utf-8"?>
 <p:presentation xmlns:a="http://schemas.openxmlformats.org/drawingml/2006/main" xmlns:r="http://schemas.openxmlformats.org/officeDocument/2006/relationships" xmlns:p="http://schemas.openxmlformats.org/presentationml/2006/main" saveSubsetFonts="1">
   <p:sldMasterIdLst>
-    <p:sldMasterId id="2147483960" r:id="rId1"/>
+    <p:sldMasterId id="2147483984" r:id="rId1"/>
   </p:sldMasterIdLst>
   <p:notesMasterIdLst>
     <p:notesMasterId r:id="rId3"/>
@@ -10,7 +10,7 @@
   <p:sldIdLst>
     <p:sldId id="257" r:id="rId2"/>
   </p:sldIdLst>
-  <p:sldSz cx="13716000" cy="11520488"/>
+  <p:sldSz cx="12599988" cy="8280400"/>
   <p:notesSz cx="6858000" cy="9144000"/>
   <p:defaultTextStyle>
     <a:defPPr>
@@ -197,7 +197,7 @@
           <a:p>
             <a:fld id="{69439091-2C92-4D7B-9ACF-2E96006E9DBD}" type="datetimeFigureOut">
               <a:rPr lang="en-US" smtClean="0"/>
-              <a:t>8/15/2016</a:t>
+              <a:t>11/4/2016</a:t>
             </a:fld>
             <a:endParaRPr lang="en-US"/>
           </a:p>
@@ -215,8 +215,8 @@
         </p:nvSpPr>
         <p:spPr>
           <a:xfrm>
-            <a:off x="1592263" y="1143000"/>
-            <a:ext cx="3673475" cy="3086100"/>
+            <a:off x="1081088" y="1143000"/>
+            <a:ext cx="4695825" cy="3086100"/>
           </a:xfrm>
           <a:prstGeom prst="rect">
             <a:avLst/>
@@ -370,8 +370,8 @@
   </p:cSld>
   <p:clrMap bg1="lt1" tx1="dk1" bg2="lt2" tx2="dk2" accent1="accent1" accent2="accent2" accent3="accent3" accent4="accent4" accent5="accent5" accent6="accent6" hlink="hlink" folHlink="folHlink"/>
   <p:notesStyle>
-    <a:lvl1pPr marL="0" algn="l" defTabSz="982066" rtl="0" eaLnBrk="1" latinLnBrk="0" hangingPunct="1">
-      <a:defRPr sz="1289" kern="1200">
+    <a:lvl1pPr marL="0" algn="l" defTabSz="896811" rtl="0" eaLnBrk="1" latinLnBrk="0" hangingPunct="1">
+      <a:defRPr sz="1177" kern="1200">
         <a:solidFill>
           <a:schemeClr val="tx1"/>
         </a:solidFill>
@@ -380,8 +380,8 @@
         <a:cs typeface="+mn-cs"/>
       </a:defRPr>
     </a:lvl1pPr>
-    <a:lvl2pPr marL="491033" algn="l" defTabSz="982066" rtl="0" eaLnBrk="1" latinLnBrk="0" hangingPunct="1">
-      <a:defRPr sz="1289" kern="1200">
+    <a:lvl2pPr marL="448405" algn="l" defTabSz="896811" rtl="0" eaLnBrk="1" latinLnBrk="0" hangingPunct="1">
+      <a:defRPr sz="1177" kern="1200">
         <a:solidFill>
           <a:schemeClr val="tx1"/>
         </a:solidFill>
@@ -390,8 +390,8 @@
         <a:cs typeface="+mn-cs"/>
       </a:defRPr>
     </a:lvl2pPr>
-    <a:lvl3pPr marL="982066" algn="l" defTabSz="982066" rtl="0" eaLnBrk="1" latinLnBrk="0" hangingPunct="1">
-      <a:defRPr sz="1289" kern="1200">
+    <a:lvl3pPr marL="896811" algn="l" defTabSz="896811" rtl="0" eaLnBrk="1" latinLnBrk="0" hangingPunct="1">
+      <a:defRPr sz="1177" kern="1200">
         <a:solidFill>
           <a:schemeClr val="tx1"/>
         </a:solidFill>
@@ -400,8 +400,8 @@
         <a:cs typeface="+mn-cs"/>
       </a:defRPr>
     </a:lvl3pPr>
-    <a:lvl4pPr marL="1473098" algn="l" defTabSz="982066" rtl="0" eaLnBrk="1" latinLnBrk="0" hangingPunct="1">
-      <a:defRPr sz="1289" kern="1200">
+    <a:lvl4pPr marL="1345215" algn="l" defTabSz="896811" rtl="0" eaLnBrk="1" latinLnBrk="0" hangingPunct="1">
+      <a:defRPr sz="1177" kern="1200">
         <a:solidFill>
           <a:schemeClr val="tx1"/>
         </a:solidFill>
@@ -410,8 +410,8 @@
         <a:cs typeface="+mn-cs"/>
       </a:defRPr>
     </a:lvl4pPr>
-    <a:lvl5pPr marL="1964131" algn="l" defTabSz="982066" rtl="0" eaLnBrk="1" latinLnBrk="0" hangingPunct="1">
-      <a:defRPr sz="1289" kern="1200">
+    <a:lvl5pPr marL="1793623" algn="l" defTabSz="896811" rtl="0" eaLnBrk="1" latinLnBrk="0" hangingPunct="1">
+      <a:defRPr sz="1177" kern="1200">
         <a:solidFill>
           <a:schemeClr val="tx1"/>
         </a:solidFill>
@@ -420,8 +420,8 @@
         <a:cs typeface="+mn-cs"/>
       </a:defRPr>
     </a:lvl5pPr>
-    <a:lvl6pPr marL="2455164" algn="l" defTabSz="982066" rtl="0" eaLnBrk="1" latinLnBrk="0" hangingPunct="1">
-      <a:defRPr sz="1289" kern="1200">
+    <a:lvl6pPr marL="2242028" algn="l" defTabSz="896811" rtl="0" eaLnBrk="1" latinLnBrk="0" hangingPunct="1">
+      <a:defRPr sz="1177" kern="1200">
         <a:solidFill>
           <a:schemeClr val="tx1"/>
         </a:solidFill>
@@ -430,8 +430,8 @@
         <a:cs typeface="+mn-cs"/>
       </a:defRPr>
     </a:lvl6pPr>
-    <a:lvl7pPr marL="2946197" algn="l" defTabSz="982066" rtl="0" eaLnBrk="1" latinLnBrk="0" hangingPunct="1">
-      <a:defRPr sz="1289" kern="1200">
+    <a:lvl7pPr marL="2690432" algn="l" defTabSz="896811" rtl="0" eaLnBrk="1" latinLnBrk="0" hangingPunct="1">
+      <a:defRPr sz="1177" kern="1200">
         <a:solidFill>
           <a:schemeClr val="tx1"/>
         </a:solidFill>
@@ -440,8 +440,8 @@
         <a:cs typeface="+mn-cs"/>
       </a:defRPr>
     </a:lvl7pPr>
-    <a:lvl8pPr marL="3437230" algn="l" defTabSz="982066" rtl="0" eaLnBrk="1" latinLnBrk="0" hangingPunct="1">
-      <a:defRPr sz="1289" kern="1200">
+    <a:lvl8pPr marL="3138839" algn="l" defTabSz="896811" rtl="0" eaLnBrk="1" latinLnBrk="0" hangingPunct="1">
+      <a:defRPr sz="1177" kern="1200">
         <a:solidFill>
           <a:schemeClr val="tx1"/>
         </a:solidFill>
@@ -450,8 +450,8 @@
         <a:cs typeface="+mn-cs"/>
       </a:defRPr>
     </a:lvl8pPr>
-    <a:lvl9pPr marL="3928262" algn="l" defTabSz="982066" rtl="0" eaLnBrk="1" latinLnBrk="0" hangingPunct="1">
-      <a:defRPr sz="1289" kern="1200">
+    <a:lvl9pPr marL="3587243" algn="l" defTabSz="896811" rtl="0" eaLnBrk="1" latinLnBrk="0" hangingPunct="1">
+      <a:defRPr sz="1177" kern="1200">
         <a:solidFill>
           <a:schemeClr val="tx1"/>
         </a:solidFill>
@@ -493,8 +493,8 @@
         </p:nvSpPr>
         <p:spPr>
           <a:xfrm>
-            <a:off x="1592263" y="1143000"/>
-            <a:ext cx="3673475" cy="3086100"/>
+            <a:off x="1081088" y="1143000"/>
+            <a:ext cx="4695825" cy="3086100"/>
           </a:xfrm>
         </p:spPr>
       </p:sp>
@@ -582,15 +582,15 @@
         </p:nvSpPr>
         <p:spPr>
           <a:xfrm>
-            <a:off x="1028700" y="1885414"/>
-            <a:ext cx="11658600" cy="4010837"/>
+            <a:off x="944999" y="1355149"/>
+            <a:ext cx="10709990" cy="2882806"/>
           </a:xfrm>
         </p:spPr>
         <p:txBody>
           <a:bodyPr anchor="b"/>
           <a:lstStyle>
             <a:lvl1pPr algn="ctr">
-              <a:defRPr sz="9000"/>
+              <a:defRPr sz="7244"/>
             </a:lvl1pPr>
           </a:lstStyle>
           <a:p>
@@ -614,8 +614,8 @@
         </p:nvSpPr>
         <p:spPr>
           <a:xfrm>
-            <a:off x="1714500" y="6050924"/>
-            <a:ext cx="10287000" cy="2781450"/>
+            <a:off x="1574999" y="4349128"/>
+            <a:ext cx="9449991" cy="1999179"/>
           </a:xfrm>
         </p:spPr>
         <p:txBody>
@@ -623,39 +623,39 @@
           <a:lstStyle>
             <a:lvl1pPr marL="0" indent="0" algn="ctr">
               <a:buNone/>
-              <a:defRPr sz="3600"/>
+              <a:defRPr sz="2898"/>
             </a:lvl1pPr>
-            <a:lvl2pPr marL="685800" indent="0" algn="ctr">
-              <a:buNone/>
-              <a:defRPr sz="3000"/>
+            <a:lvl2pPr marL="552023" indent="0" algn="ctr">
+              <a:buNone/>
+              <a:defRPr sz="2415"/>
             </a:lvl2pPr>
-            <a:lvl3pPr marL="1371600" indent="0" algn="ctr">
-              <a:buNone/>
-              <a:defRPr sz="2700"/>
+            <a:lvl3pPr marL="1104047" indent="0" algn="ctr">
+              <a:buNone/>
+              <a:defRPr sz="2173"/>
             </a:lvl3pPr>
-            <a:lvl4pPr marL="2057400" indent="0" algn="ctr">
-              <a:buNone/>
-              <a:defRPr sz="2400"/>
+            <a:lvl4pPr marL="1656070" indent="0" algn="ctr">
+              <a:buNone/>
+              <a:defRPr sz="1932"/>
             </a:lvl4pPr>
-            <a:lvl5pPr marL="2743200" indent="0" algn="ctr">
-              <a:buNone/>
-              <a:defRPr sz="2400"/>
+            <a:lvl5pPr marL="2208093" indent="0" algn="ctr">
+              <a:buNone/>
+              <a:defRPr sz="1932"/>
             </a:lvl5pPr>
-            <a:lvl6pPr marL="3429000" indent="0" algn="ctr">
-              <a:buNone/>
-              <a:defRPr sz="2400"/>
+            <a:lvl6pPr marL="2760116" indent="0" algn="ctr">
+              <a:buNone/>
+              <a:defRPr sz="1932"/>
             </a:lvl6pPr>
-            <a:lvl7pPr marL="4114800" indent="0" algn="ctr">
-              <a:buNone/>
-              <a:defRPr sz="2400"/>
+            <a:lvl7pPr marL="3312140" indent="0" algn="ctr">
+              <a:buNone/>
+              <a:defRPr sz="1932"/>
             </a:lvl7pPr>
-            <a:lvl8pPr marL="4800600" indent="0" algn="ctr">
-              <a:buNone/>
-              <a:defRPr sz="2400"/>
+            <a:lvl8pPr marL="3864163" indent="0" algn="ctr">
+              <a:buNone/>
+              <a:defRPr sz="1932"/>
             </a:lvl8pPr>
-            <a:lvl9pPr marL="5486400" indent="0" algn="ctr">
-              <a:buNone/>
-              <a:defRPr sz="2400"/>
+            <a:lvl9pPr marL="4416186" indent="0" algn="ctr">
+              <a:buNone/>
+              <a:defRPr sz="1932"/>
             </a:lvl9pPr>
           </a:lstStyle>
           <a:p>
@@ -684,7 +684,7 @@
           <a:p>
             <a:fld id="{034EC1D1-0E05-47D0-B125-0ACF846A4397}" type="datetimeFigureOut">
               <a:rPr lang="en-US" smtClean="0"/>
-              <a:t>8/15/2016</a:t>
+              <a:t>11/4/2016</a:t>
             </a:fld>
             <a:endParaRPr lang="en-US"/>
           </a:p>
@@ -735,7 +735,7 @@
     </p:spTree>
     <p:extLst>
       <p:ext uri="{BB962C8B-B14F-4D97-AF65-F5344CB8AC3E}">
-        <p14:creationId xmlns:p14="http://schemas.microsoft.com/office/powerpoint/2010/main" val="2116470751"/>
+        <p14:creationId xmlns:p14="http://schemas.microsoft.com/office/powerpoint/2010/main" val="1877758802"/>
       </p:ext>
     </p:extLst>
   </p:cSld>
@@ -854,7 +854,7 @@
           <a:p>
             <a:fld id="{034EC1D1-0E05-47D0-B125-0ACF846A4397}" type="datetimeFigureOut">
               <a:rPr lang="en-US" smtClean="0"/>
-              <a:t>8/15/2016</a:t>
+              <a:t>11/4/2016</a:t>
             </a:fld>
             <a:endParaRPr lang="en-US"/>
           </a:p>
@@ -905,7 +905,7 @@
     </p:spTree>
     <p:extLst>
       <p:ext uri="{BB962C8B-B14F-4D97-AF65-F5344CB8AC3E}">
-        <p14:creationId xmlns:p14="http://schemas.microsoft.com/office/powerpoint/2010/main" val="521507372"/>
+        <p14:creationId xmlns:p14="http://schemas.microsoft.com/office/powerpoint/2010/main" val="779189450"/>
       </p:ext>
     </p:extLst>
   </p:cSld>
@@ -944,8 +944,8 @@
         </p:nvSpPr>
         <p:spPr>
           <a:xfrm>
-            <a:off x="9815513" y="613359"/>
-            <a:ext cx="2957513" cy="9763081"/>
+            <a:off x="9016867" y="440855"/>
+            <a:ext cx="2716872" cy="7017256"/>
           </a:xfrm>
         </p:spPr>
         <p:txBody>
@@ -972,8 +972,8 @@
         </p:nvSpPr>
         <p:spPr>
           <a:xfrm>
-            <a:off x="942976" y="613359"/>
-            <a:ext cx="8701088" cy="9763081"/>
+            <a:off x="866250" y="440855"/>
+            <a:ext cx="7993117" cy="7017256"/>
           </a:xfrm>
         </p:spPr>
         <p:txBody>
@@ -1034,7 +1034,7 @@
           <a:p>
             <a:fld id="{034EC1D1-0E05-47D0-B125-0ACF846A4397}" type="datetimeFigureOut">
               <a:rPr lang="en-US" smtClean="0"/>
-              <a:t>8/15/2016</a:t>
+              <a:t>11/4/2016</a:t>
             </a:fld>
             <a:endParaRPr lang="en-US"/>
           </a:p>
@@ -1085,7 +1085,7 @@
     </p:spTree>
     <p:extLst>
       <p:ext uri="{BB962C8B-B14F-4D97-AF65-F5344CB8AC3E}">
-        <p14:creationId xmlns:p14="http://schemas.microsoft.com/office/powerpoint/2010/main" val="2014620474"/>
+        <p14:creationId xmlns:p14="http://schemas.microsoft.com/office/powerpoint/2010/main" val="3909215959"/>
       </p:ext>
     </p:extLst>
   </p:cSld>
@@ -1204,7 +1204,7 @@
           <a:p>
             <a:fld id="{034EC1D1-0E05-47D0-B125-0ACF846A4397}" type="datetimeFigureOut">
               <a:rPr lang="en-US" smtClean="0"/>
-              <a:t>8/15/2016</a:t>
+              <a:t>11/4/2016</a:t>
             </a:fld>
             <a:endParaRPr lang="en-US"/>
           </a:p>
@@ -1255,7 +1255,7 @@
     </p:spTree>
     <p:extLst>
       <p:ext uri="{BB962C8B-B14F-4D97-AF65-F5344CB8AC3E}">
-        <p14:creationId xmlns:p14="http://schemas.microsoft.com/office/powerpoint/2010/main" val="3984830875"/>
+        <p14:creationId xmlns:p14="http://schemas.microsoft.com/office/powerpoint/2010/main" val="3958293996"/>
       </p:ext>
     </p:extLst>
   </p:cSld>
@@ -1294,15 +1294,15 @@
         </p:nvSpPr>
         <p:spPr>
           <a:xfrm>
-            <a:off x="935832" y="2872125"/>
-            <a:ext cx="11830050" cy="4792202"/>
+            <a:off x="859687" y="2064352"/>
+            <a:ext cx="10867490" cy="3444416"/>
           </a:xfrm>
         </p:spPr>
         <p:txBody>
           <a:bodyPr anchor="b"/>
           <a:lstStyle>
             <a:lvl1pPr>
-              <a:defRPr sz="9000"/>
+              <a:defRPr sz="7244"/>
             </a:lvl1pPr>
           </a:lstStyle>
           <a:p>
@@ -1326,8 +1326,8 @@
         </p:nvSpPr>
         <p:spPr>
           <a:xfrm>
-            <a:off x="935832" y="7709663"/>
-            <a:ext cx="11830050" cy="2520106"/>
+            <a:off x="859687" y="5541353"/>
+            <a:ext cx="10867490" cy="1811337"/>
           </a:xfrm>
         </p:spPr>
         <p:txBody>
@@ -1335,15 +1335,15 @@
           <a:lstStyle>
             <a:lvl1pPr marL="0" indent="0">
               <a:buNone/>
-              <a:defRPr sz="3600">
+              <a:defRPr sz="2898">
                 <a:solidFill>
                   <a:schemeClr val="tx1"/>
                 </a:solidFill>
               </a:defRPr>
             </a:lvl1pPr>
-            <a:lvl2pPr marL="685800" indent="0">
-              <a:buNone/>
-              <a:defRPr sz="3000">
+            <a:lvl2pPr marL="552023" indent="0">
+              <a:buNone/>
+              <a:defRPr sz="2415">
                 <a:solidFill>
                   <a:schemeClr val="tx1">
                     <a:tint val="75000"/>
@@ -1351,9 +1351,9 @@
                 </a:solidFill>
               </a:defRPr>
             </a:lvl2pPr>
-            <a:lvl3pPr marL="1371600" indent="0">
-              <a:buNone/>
-              <a:defRPr sz="2700">
+            <a:lvl3pPr marL="1104047" indent="0">
+              <a:buNone/>
+              <a:defRPr sz="2173">
                 <a:solidFill>
                   <a:schemeClr val="tx1">
                     <a:tint val="75000"/>
@@ -1361,9 +1361,9 @@
                 </a:solidFill>
               </a:defRPr>
             </a:lvl3pPr>
-            <a:lvl4pPr marL="2057400" indent="0">
-              <a:buNone/>
-              <a:defRPr sz="2400">
+            <a:lvl4pPr marL="1656070" indent="0">
+              <a:buNone/>
+              <a:defRPr sz="1932">
                 <a:solidFill>
                   <a:schemeClr val="tx1">
                     <a:tint val="75000"/>
@@ -1371,9 +1371,9 @@
                 </a:solidFill>
               </a:defRPr>
             </a:lvl4pPr>
-            <a:lvl5pPr marL="2743200" indent="0">
-              <a:buNone/>
-              <a:defRPr sz="2400">
+            <a:lvl5pPr marL="2208093" indent="0">
+              <a:buNone/>
+              <a:defRPr sz="1932">
                 <a:solidFill>
                   <a:schemeClr val="tx1">
                     <a:tint val="75000"/>
@@ -1381,9 +1381,9 @@
                 </a:solidFill>
               </a:defRPr>
             </a:lvl5pPr>
-            <a:lvl6pPr marL="3429000" indent="0">
-              <a:buNone/>
-              <a:defRPr sz="2400">
+            <a:lvl6pPr marL="2760116" indent="0">
+              <a:buNone/>
+              <a:defRPr sz="1932">
                 <a:solidFill>
                   <a:schemeClr val="tx1">
                     <a:tint val="75000"/>
@@ -1391,9 +1391,9 @@
                 </a:solidFill>
               </a:defRPr>
             </a:lvl6pPr>
-            <a:lvl7pPr marL="4114800" indent="0">
-              <a:buNone/>
-              <a:defRPr sz="2400">
+            <a:lvl7pPr marL="3312140" indent="0">
+              <a:buNone/>
+              <a:defRPr sz="1932">
                 <a:solidFill>
                   <a:schemeClr val="tx1">
                     <a:tint val="75000"/>
@@ -1401,9 +1401,9 @@
                 </a:solidFill>
               </a:defRPr>
             </a:lvl7pPr>
-            <a:lvl8pPr marL="4800600" indent="0">
-              <a:buNone/>
-              <a:defRPr sz="2400">
+            <a:lvl8pPr marL="3864163" indent="0">
+              <a:buNone/>
+              <a:defRPr sz="1932">
                 <a:solidFill>
                   <a:schemeClr val="tx1">
                     <a:tint val="75000"/>
@@ -1411,9 +1411,9 @@
                 </a:solidFill>
               </a:defRPr>
             </a:lvl8pPr>
-            <a:lvl9pPr marL="5486400" indent="0">
-              <a:buNone/>
-              <a:defRPr sz="2400">
+            <a:lvl9pPr marL="4416186" indent="0">
+              <a:buNone/>
+              <a:defRPr sz="1932">
                 <a:solidFill>
                   <a:schemeClr val="tx1">
                     <a:tint val="75000"/>
@@ -1448,7 +1448,7 @@
           <a:p>
             <a:fld id="{034EC1D1-0E05-47D0-B125-0ACF846A4397}" type="datetimeFigureOut">
               <a:rPr lang="en-US" smtClean="0"/>
-              <a:t>8/15/2016</a:t>
+              <a:t>11/4/2016</a:t>
             </a:fld>
             <a:endParaRPr lang="en-US"/>
           </a:p>
@@ -1499,7 +1499,7 @@
     </p:spTree>
     <p:extLst>
       <p:ext uri="{BB962C8B-B14F-4D97-AF65-F5344CB8AC3E}">
-        <p14:creationId xmlns:p14="http://schemas.microsoft.com/office/powerpoint/2010/main" val="2833890413"/>
+        <p14:creationId xmlns:p14="http://schemas.microsoft.com/office/powerpoint/2010/main" val="2619447029"/>
       </p:ext>
     </p:extLst>
   </p:cSld>
@@ -1561,8 +1561,8 @@
         </p:nvSpPr>
         <p:spPr>
           <a:xfrm>
-            <a:off x="942975" y="3066796"/>
-            <a:ext cx="5829300" cy="7309644"/>
+            <a:off x="866249" y="2204273"/>
+            <a:ext cx="5354995" cy="5253838"/>
           </a:xfrm>
         </p:spPr>
         <p:txBody>
@@ -1618,8 +1618,8 @@
         </p:nvSpPr>
         <p:spPr>
           <a:xfrm>
-            <a:off x="6943725" y="3066796"/>
-            <a:ext cx="5829300" cy="7309644"/>
+            <a:off x="6378744" y="2204273"/>
+            <a:ext cx="5354995" cy="5253838"/>
           </a:xfrm>
         </p:spPr>
         <p:txBody>
@@ -1680,7 +1680,7 @@
           <a:p>
             <a:fld id="{034EC1D1-0E05-47D0-B125-0ACF846A4397}" type="datetimeFigureOut">
               <a:rPr lang="en-US" smtClean="0"/>
-              <a:t>8/15/2016</a:t>
+              <a:t>11/4/2016</a:t>
             </a:fld>
             <a:endParaRPr lang="en-US"/>
           </a:p>
@@ -1731,7 +1731,7 @@
     </p:spTree>
     <p:extLst>
       <p:ext uri="{BB962C8B-B14F-4D97-AF65-F5344CB8AC3E}">
-        <p14:creationId xmlns:p14="http://schemas.microsoft.com/office/powerpoint/2010/main" val="3738476678"/>
+        <p14:creationId xmlns:p14="http://schemas.microsoft.com/office/powerpoint/2010/main" val="2639621995"/>
       </p:ext>
     </p:extLst>
   </p:cSld>
@@ -1770,8 +1770,8 @@
         </p:nvSpPr>
         <p:spPr>
           <a:xfrm>
-            <a:off x="944762" y="613362"/>
-            <a:ext cx="11830050" cy="2226762"/>
+            <a:off x="867890" y="440856"/>
+            <a:ext cx="10867490" cy="1600495"/>
           </a:xfrm>
         </p:spPr>
         <p:txBody>
@@ -1798,8 +1798,8 @@
         </p:nvSpPr>
         <p:spPr>
           <a:xfrm>
-            <a:off x="944763" y="2824120"/>
-            <a:ext cx="5802510" cy="1384058"/>
+            <a:off x="867892" y="2029849"/>
+            <a:ext cx="5330385" cy="994797"/>
           </a:xfrm>
         </p:spPr>
         <p:txBody>
@@ -1807,39 +1807,39 @@
           <a:lstStyle>
             <a:lvl1pPr marL="0" indent="0">
               <a:buNone/>
-              <a:defRPr sz="3600" b="1"/>
+              <a:defRPr sz="2898" b="1"/>
             </a:lvl1pPr>
-            <a:lvl2pPr marL="685800" indent="0">
-              <a:buNone/>
-              <a:defRPr sz="3000" b="1"/>
+            <a:lvl2pPr marL="552023" indent="0">
+              <a:buNone/>
+              <a:defRPr sz="2415" b="1"/>
             </a:lvl2pPr>
-            <a:lvl3pPr marL="1371600" indent="0">
-              <a:buNone/>
-              <a:defRPr sz="2700" b="1"/>
+            <a:lvl3pPr marL="1104047" indent="0">
+              <a:buNone/>
+              <a:defRPr sz="2173" b="1"/>
             </a:lvl3pPr>
-            <a:lvl4pPr marL="2057400" indent="0">
-              <a:buNone/>
-              <a:defRPr sz="2400" b="1"/>
+            <a:lvl4pPr marL="1656070" indent="0">
+              <a:buNone/>
+              <a:defRPr sz="1932" b="1"/>
             </a:lvl4pPr>
-            <a:lvl5pPr marL="2743200" indent="0">
-              <a:buNone/>
-              <a:defRPr sz="2400" b="1"/>
+            <a:lvl5pPr marL="2208093" indent="0">
+              <a:buNone/>
+              <a:defRPr sz="1932" b="1"/>
             </a:lvl5pPr>
-            <a:lvl6pPr marL="3429000" indent="0">
-              <a:buNone/>
-              <a:defRPr sz="2400" b="1"/>
+            <a:lvl6pPr marL="2760116" indent="0">
+              <a:buNone/>
+              <a:defRPr sz="1932" b="1"/>
             </a:lvl6pPr>
-            <a:lvl7pPr marL="4114800" indent="0">
-              <a:buNone/>
-              <a:defRPr sz="2400" b="1"/>
+            <a:lvl7pPr marL="3312140" indent="0">
+              <a:buNone/>
+              <a:defRPr sz="1932" b="1"/>
             </a:lvl7pPr>
-            <a:lvl8pPr marL="4800600" indent="0">
-              <a:buNone/>
-              <a:defRPr sz="2400" b="1"/>
+            <a:lvl8pPr marL="3864163" indent="0">
+              <a:buNone/>
+              <a:defRPr sz="1932" b="1"/>
             </a:lvl8pPr>
-            <a:lvl9pPr marL="5486400" indent="0">
-              <a:buNone/>
-              <a:defRPr sz="2400" b="1"/>
+            <a:lvl9pPr marL="4416186" indent="0">
+              <a:buNone/>
+              <a:defRPr sz="1932" b="1"/>
             </a:lvl9pPr>
           </a:lstStyle>
           <a:p>
@@ -1863,8 +1863,8 @@
         </p:nvSpPr>
         <p:spPr>
           <a:xfrm>
-            <a:off x="944763" y="4208178"/>
-            <a:ext cx="5802510" cy="6189596"/>
+            <a:off x="867892" y="3024646"/>
+            <a:ext cx="5330385" cy="4448799"/>
           </a:xfrm>
         </p:spPr>
         <p:txBody>
@@ -1920,8 +1920,8 @@
         </p:nvSpPr>
         <p:spPr>
           <a:xfrm>
-            <a:off x="6943726" y="2824120"/>
-            <a:ext cx="5831087" cy="1384058"/>
+            <a:off x="6378745" y="2029849"/>
+            <a:ext cx="5356636" cy="994797"/>
           </a:xfrm>
         </p:spPr>
         <p:txBody>
@@ -1929,39 +1929,39 @@
           <a:lstStyle>
             <a:lvl1pPr marL="0" indent="0">
               <a:buNone/>
-              <a:defRPr sz="3600" b="1"/>
+              <a:defRPr sz="2898" b="1"/>
             </a:lvl1pPr>
-            <a:lvl2pPr marL="685800" indent="0">
-              <a:buNone/>
-              <a:defRPr sz="3000" b="1"/>
+            <a:lvl2pPr marL="552023" indent="0">
+              <a:buNone/>
+              <a:defRPr sz="2415" b="1"/>
             </a:lvl2pPr>
-            <a:lvl3pPr marL="1371600" indent="0">
-              <a:buNone/>
-              <a:defRPr sz="2700" b="1"/>
+            <a:lvl3pPr marL="1104047" indent="0">
+              <a:buNone/>
+              <a:defRPr sz="2173" b="1"/>
             </a:lvl3pPr>
-            <a:lvl4pPr marL="2057400" indent="0">
-              <a:buNone/>
-              <a:defRPr sz="2400" b="1"/>
+            <a:lvl4pPr marL="1656070" indent="0">
+              <a:buNone/>
+              <a:defRPr sz="1932" b="1"/>
             </a:lvl4pPr>
-            <a:lvl5pPr marL="2743200" indent="0">
-              <a:buNone/>
-              <a:defRPr sz="2400" b="1"/>
+            <a:lvl5pPr marL="2208093" indent="0">
+              <a:buNone/>
+              <a:defRPr sz="1932" b="1"/>
             </a:lvl5pPr>
-            <a:lvl6pPr marL="3429000" indent="0">
-              <a:buNone/>
-              <a:defRPr sz="2400" b="1"/>
+            <a:lvl6pPr marL="2760116" indent="0">
+              <a:buNone/>
+              <a:defRPr sz="1932" b="1"/>
             </a:lvl6pPr>
-            <a:lvl7pPr marL="4114800" indent="0">
-              <a:buNone/>
-              <a:defRPr sz="2400" b="1"/>
+            <a:lvl7pPr marL="3312140" indent="0">
+              <a:buNone/>
+              <a:defRPr sz="1932" b="1"/>
             </a:lvl7pPr>
-            <a:lvl8pPr marL="4800600" indent="0">
-              <a:buNone/>
-              <a:defRPr sz="2400" b="1"/>
+            <a:lvl8pPr marL="3864163" indent="0">
+              <a:buNone/>
+              <a:defRPr sz="1932" b="1"/>
             </a:lvl8pPr>
-            <a:lvl9pPr marL="5486400" indent="0">
-              <a:buNone/>
-              <a:defRPr sz="2400" b="1"/>
+            <a:lvl9pPr marL="4416186" indent="0">
+              <a:buNone/>
+              <a:defRPr sz="1932" b="1"/>
             </a:lvl9pPr>
           </a:lstStyle>
           <a:p>
@@ -1985,8 +1985,8 @@
         </p:nvSpPr>
         <p:spPr>
           <a:xfrm>
-            <a:off x="6943726" y="4208178"/>
-            <a:ext cx="5831087" cy="6189596"/>
+            <a:off x="6378745" y="3024646"/>
+            <a:ext cx="5356636" cy="4448799"/>
           </a:xfrm>
         </p:spPr>
         <p:txBody>
@@ -2047,7 +2047,7 @@
           <a:p>
             <a:fld id="{034EC1D1-0E05-47D0-B125-0ACF846A4397}" type="datetimeFigureOut">
               <a:rPr lang="en-US" smtClean="0"/>
-              <a:t>8/15/2016</a:t>
+              <a:t>11/4/2016</a:t>
             </a:fld>
             <a:endParaRPr lang="en-US"/>
           </a:p>
@@ -2098,7 +2098,7 @@
     </p:spTree>
     <p:extLst>
       <p:ext uri="{BB962C8B-B14F-4D97-AF65-F5344CB8AC3E}">
-        <p14:creationId xmlns:p14="http://schemas.microsoft.com/office/powerpoint/2010/main" val="1253896089"/>
+        <p14:creationId xmlns:p14="http://schemas.microsoft.com/office/powerpoint/2010/main" val="295095794"/>
       </p:ext>
     </p:extLst>
   </p:cSld>
@@ -2165,7 +2165,7 @@
           <a:p>
             <a:fld id="{034EC1D1-0E05-47D0-B125-0ACF846A4397}" type="datetimeFigureOut">
               <a:rPr lang="en-US" smtClean="0"/>
-              <a:t>8/15/2016</a:t>
+              <a:t>11/4/2016</a:t>
             </a:fld>
             <a:endParaRPr lang="en-US"/>
           </a:p>
@@ -2216,7 +2216,7 @@
     </p:spTree>
     <p:extLst>
       <p:ext uri="{BB962C8B-B14F-4D97-AF65-F5344CB8AC3E}">
-        <p14:creationId xmlns:p14="http://schemas.microsoft.com/office/powerpoint/2010/main" val="913285623"/>
+        <p14:creationId xmlns:p14="http://schemas.microsoft.com/office/powerpoint/2010/main" val="741739641"/>
       </p:ext>
     </p:extLst>
   </p:cSld>
@@ -2260,7 +2260,7 @@
           <a:p>
             <a:fld id="{034EC1D1-0E05-47D0-B125-0ACF846A4397}" type="datetimeFigureOut">
               <a:rPr lang="en-US" smtClean="0"/>
-              <a:t>8/15/2016</a:t>
+              <a:t>11/4/2016</a:t>
             </a:fld>
             <a:endParaRPr lang="en-US"/>
           </a:p>
@@ -2311,7 +2311,7 @@
     </p:spTree>
     <p:extLst>
       <p:ext uri="{BB962C8B-B14F-4D97-AF65-F5344CB8AC3E}">
-        <p14:creationId xmlns:p14="http://schemas.microsoft.com/office/powerpoint/2010/main" val="651671467"/>
+        <p14:creationId xmlns:p14="http://schemas.microsoft.com/office/powerpoint/2010/main" val="2068219099"/>
       </p:ext>
     </p:extLst>
   </p:cSld>
@@ -2350,15 +2350,15 @@
         </p:nvSpPr>
         <p:spPr>
           <a:xfrm>
-            <a:off x="944762" y="768032"/>
-            <a:ext cx="4423767" cy="2688114"/>
+            <a:off x="867890" y="552027"/>
+            <a:ext cx="4063824" cy="1932093"/>
           </a:xfrm>
         </p:spPr>
         <p:txBody>
           <a:bodyPr anchor="b"/>
           <a:lstStyle>
             <a:lvl1pPr>
-              <a:defRPr sz="4800"/>
+              <a:defRPr sz="3864"/>
             </a:lvl1pPr>
           </a:lstStyle>
           <a:p>
@@ -2382,39 +2382,39 @@
         </p:nvSpPr>
         <p:spPr>
           <a:xfrm>
-            <a:off x="5831087" y="1658740"/>
-            <a:ext cx="6943725" cy="8187013"/>
+            <a:off x="5356636" y="1192226"/>
+            <a:ext cx="6378744" cy="5884451"/>
           </a:xfrm>
         </p:spPr>
         <p:txBody>
           <a:bodyPr/>
           <a:lstStyle>
             <a:lvl1pPr>
-              <a:defRPr sz="4800"/>
+              <a:defRPr sz="3864"/>
             </a:lvl1pPr>
             <a:lvl2pPr>
-              <a:defRPr sz="4200"/>
+              <a:defRPr sz="3381"/>
             </a:lvl2pPr>
             <a:lvl3pPr>
-              <a:defRPr sz="3600"/>
+              <a:defRPr sz="2898"/>
             </a:lvl3pPr>
             <a:lvl4pPr>
-              <a:defRPr sz="3000"/>
+              <a:defRPr sz="2415"/>
             </a:lvl4pPr>
             <a:lvl5pPr>
-              <a:defRPr sz="3000"/>
+              <a:defRPr sz="2415"/>
             </a:lvl5pPr>
             <a:lvl6pPr>
-              <a:defRPr sz="3000"/>
+              <a:defRPr sz="2415"/>
             </a:lvl6pPr>
             <a:lvl7pPr>
-              <a:defRPr sz="3000"/>
+              <a:defRPr sz="2415"/>
             </a:lvl7pPr>
             <a:lvl8pPr>
-              <a:defRPr sz="3000"/>
+              <a:defRPr sz="2415"/>
             </a:lvl8pPr>
             <a:lvl9pPr>
-              <a:defRPr sz="3000"/>
+              <a:defRPr sz="2415"/>
             </a:lvl9pPr>
           </a:lstStyle>
           <a:p>
@@ -2467,8 +2467,8 @@
         </p:nvSpPr>
         <p:spPr>
           <a:xfrm>
-            <a:off x="944762" y="3456146"/>
-            <a:ext cx="4423767" cy="6402939"/>
+            <a:off x="867890" y="2484120"/>
+            <a:ext cx="4063824" cy="4602140"/>
           </a:xfrm>
         </p:spPr>
         <p:txBody>
@@ -2476,39 +2476,39 @@
           <a:lstStyle>
             <a:lvl1pPr marL="0" indent="0">
               <a:buNone/>
-              <a:defRPr sz="2400"/>
+              <a:defRPr sz="1932"/>
             </a:lvl1pPr>
-            <a:lvl2pPr marL="685800" indent="0">
-              <a:buNone/>
-              <a:defRPr sz="2100"/>
+            <a:lvl2pPr marL="552023" indent="0">
+              <a:buNone/>
+              <a:defRPr sz="1690"/>
             </a:lvl2pPr>
-            <a:lvl3pPr marL="1371600" indent="0">
-              <a:buNone/>
-              <a:defRPr sz="1800"/>
+            <a:lvl3pPr marL="1104047" indent="0">
+              <a:buNone/>
+              <a:defRPr sz="1449"/>
             </a:lvl3pPr>
-            <a:lvl4pPr marL="2057400" indent="0">
-              <a:buNone/>
-              <a:defRPr sz="1500"/>
+            <a:lvl4pPr marL="1656070" indent="0">
+              <a:buNone/>
+              <a:defRPr sz="1207"/>
             </a:lvl4pPr>
-            <a:lvl5pPr marL="2743200" indent="0">
-              <a:buNone/>
-              <a:defRPr sz="1500"/>
+            <a:lvl5pPr marL="2208093" indent="0">
+              <a:buNone/>
+              <a:defRPr sz="1207"/>
             </a:lvl5pPr>
-            <a:lvl6pPr marL="3429000" indent="0">
-              <a:buNone/>
-              <a:defRPr sz="1500"/>
+            <a:lvl6pPr marL="2760116" indent="0">
+              <a:buNone/>
+              <a:defRPr sz="1207"/>
             </a:lvl6pPr>
-            <a:lvl7pPr marL="4114800" indent="0">
-              <a:buNone/>
-              <a:defRPr sz="1500"/>
+            <a:lvl7pPr marL="3312140" indent="0">
+              <a:buNone/>
+              <a:defRPr sz="1207"/>
             </a:lvl7pPr>
-            <a:lvl8pPr marL="4800600" indent="0">
-              <a:buNone/>
-              <a:defRPr sz="1500"/>
+            <a:lvl8pPr marL="3864163" indent="0">
+              <a:buNone/>
+              <a:defRPr sz="1207"/>
             </a:lvl8pPr>
-            <a:lvl9pPr marL="5486400" indent="0">
-              <a:buNone/>
-              <a:defRPr sz="1500"/>
+            <a:lvl9pPr marL="4416186" indent="0">
+              <a:buNone/>
+              <a:defRPr sz="1207"/>
             </a:lvl9pPr>
           </a:lstStyle>
           <a:p>
@@ -2537,7 +2537,7 @@
           <a:p>
             <a:fld id="{034EC1D1-0E05-47D0-B125-0ACF846A4397}" type="datetimeFigureOut">
               <a:rPr lang="en-US" smtClean="0"/>
-              <a:t>8/15/2016</a:t>
+              <a:t>11/4/2016</a:t>
             </a:fld>
             <a:endParaRPr lang="en-US"/>
           </a:p>
@@ -2588,7 +2588,7 @@
     </p:spTree>
     <p:extLst>
       <p:ext uri="{BB962C8B-B14F-4D97-AF65-F5344CB8AC3E}">
-        <p14:creationId xmlns:p14="http://schemas.microsoft.com/office/powerpoint/2010/main" val="828553084"/>
+        <p14:creationId xmlns:p14="http://schemas.microsoft.com/office/powerpoint/2010/main" val="3738806318"/>
       </p:ext>
     </p:extLst>
   </p:cSld>
@@ -2627,15 +2627,15 @@
         </p:nvSpPr>
         <p:spPr>
           <a:xfrm>
-            <a:off x="944762" y="768032"/>
-            <a:ext cx="4423767" cy="2688114"/>
+            <a:off x="867890" y="552027"/>
+            <a:ext cx="4063824" cy="1932093"/>
           </a:xfrm>
         </p:spPr>
         <p:txBody>
           <a:bodyPr anchor="b"/>
           <a:lstStyle>
             <a:lvl1pPr>
-              <a:defRPr sz="4800"/>
+              <a:defRPr sz="3864"/>
             </a:lvl1pPr>
           </a:lstStyle>
           <a:p>
@@ -2659,8 +2659,8 @@
         </p:nvSpPr>
         <p:spPr>
           <a:xfrm>
-            <a:off x="5831087" y="1658740"/>
-            <a:ext cx="6943725" cy="8187013"/>
+            <a:off x="5356636" y="1192226"/>
+            <a:ext cx="6378744" cy="5884451"/>
           </a:xfrm>
         </p:spPr>
         <p:txBody>
@@ -2668,39 +2668,39 @@
           <a:lstStyle>
             <a:lvl1pPr marL="0" indent="0">
               <a:buNone/>
-              <a:defRPr sz="4800"/>
+              <a:defRPr sz="3864"/>
             </a:lvl1pPr>
-            <a:lvl2pPr marL="685800" indent="0">
-              <a:buNone/>
-              <a:defRPr sz="4200"/>
+            <a:lvl2pPr marL="552023" indent="0">
+              <a:buNone/>
+              <a:defRPr sz="3381"/>
             </a:lvl2pPr>
-            <a:lvl3pPr marL="1371600" indent="0">
-              <a:buNone/>
-              <a:defRPr sz="3600"/>
+            <a:lvl3pPr marL="1104047" indent="0">
+              <a:buNone/>
+              <a:defRPr sz="2898"/>
             </a:lvl3pPr>
-            <a:lvl4pPr marL="2057400" indent="0">
-              <a:buNone/>
-              <a:defRPr sz="3000"/>
+            <a:lvl4pPr marL="1656070" indent="0">
+              <a:buNone/>
+              <a:defRPr sz="2415"/>
             </a:lvl4pPr>
-            <a:lvl5pPr marL="2743200" indent="0">
-              <a:buNone/>
-              <a:defRPr sz="3000"/>
+            <a:lvl5pPr marL="2208093" indent="0">
+              <a:buNone/>
+              <a:defRPr sz="2415"/>
             </a:lvl5pPr>
-            <a:lvl6pPr marL="3429000" indent="0">
-              <a:buNone/>
-              <a:defRPr sz="3000"/>
+            <a:lvl6pPr marL="2760116" indent="0">
+              <a:buNone/>
+              <a:defRPr sz="2415"/>
             </a:lvl6pPr>
-            <a:lvl7pPr marL="4114800" indent="0">
-              <a:buNone/>
-              <a:defRPr sz="3000"/>
+            <a:lvl7pPr marL="3312140" indent="0">
+              <a:buNone/>
+              <a:defRPr sz="2415"/>
             </a:lvl7pPr>
-            <a:lvl8pPr marL="4800600" indent="0">
-              <a:buNone/>
-              <a:defRPr sz="3000"/>
+            <a:lvl8pPr marL="3864163" indent="0">
+              <a:buNone/>
+              <a:defRPr sz="2415"/>
             </a:lvl8pPr>
-            <a:lvl9pPr marL="5486400" indent="0">
-              <a:buNone/>
-              <a:defRPr sz="3000"/>
+            <a:lvl9pPr marL="4416186" indent="0">
+              <a:buNone/>
+              <a:defRPr sz="2415"/>
             </a:lvl9pPr>
           </a:lstStyle>
           <a:p>
@@ -2724,8 +2724,8 @@
         </p:nvSpPr>
         <p:spPr>
           <a:xfrm>
-            <a:off x="944762" y="3456146"/>
-            <a:ext cx="4423767" cy="6402939"/>
+            <a:off x="867890" y="2484120"/>
+            <a:ext cx="4063824" cy="4602140"/>
           </a:xfrm>
         </p:spPr>
         <p:txBody>
@@ -2733,39 +2733,39 @@
           <a:lstStyle>
             <a:lvl1pPr marL="0" indent="0">
               <a:buNone/>
-              <a:defRPr sz="2400"/>
+              <a:defRPr sz="1932"/>
             </a:lvl1pPr>
-            <a:lvl2pPr marL="685800" indent="0">
-              <a:buNone/>
-              <a:defRPr sz="2100"/>
+            <a:lvl2pPr marL="552023" indent="0">
+              <a:buNone/>
+              <a:defRPr sz="1690"/>
             </a:lvl2pPr>
-            <a:lvl3pPr marL="1371600" indent="0">
-              <a:buNone/>
-              <a:defRPr sz="1800"/>
+            <a:lvl3pPr marL="1104047" indent="0">
+              <a:buNone/>
+              <a:defRPr sz="1449"/>
             </a:lvl3pPr>
-            <a:lvl4pPr marL="2057400" indent="0">
-              <a:buNone/>
-              <a:defRPr sz="1500"/>
+            <a:lvl4pPr marL="1656070" indent="0">
+              <a:buNone/>
+              <a:defRPr sz="1207"/>
             </a:lvl4pPr>
-            <a:lvl5pPr marL="2743200" indent="0">
-              <a:buNone/>
-              <a:defRPr sz="1500"/>
+            <a:lvl5pPr marL="2208093" indent="0">
+              <a:buNone/>
+              <a:defRPr sz="1207"/>
             </a:lvl5pPr>
-            <a:lvl6pPr marL="3429000" indent="0">
-              <a:buNone/>
-              <a:defRPr sz="1500"/>
+            <a:lvl6pPr marL="2760116" indent="0">
+              <a:buNone/>
+              <a:defRPr sz="1207"/>
             </a:lvl6pPr>
-            <a:lvl7pPr marL="4114800" indent="0">
-              <a:buNone/>
-              <a:defRPr sz="1500"/>
+            <a:lvl7pPr marL="3312140" indent="0">
+              <a:buNone/>
+              <a:defRPr sz="1207"/>
             </a:lvl7pPr>
-            <a:lvl8pPr marL="4800600" indent="0">
-              <a:buNone/>
-              <a:defRPr sz="1500"/>
+            <a:lvl8pPr marL="3864163" indent="0">
+              <a:buNone/>
+              <a:defRPr sz="1207"/>
             </a:lvl8pPr>
-            <a:lvl9pPr marL="5486400" indent="0">
-              <a:buNone/>
-              <a:defRPr sz="1500"/>
+            <a:lvl9pPr marL="4416186" indent="0">
+              <a:buNone/>
+              <a:defRPr sz="1207"/>
             </a:lvl9pPr>
           </a:lstStyle>
           <a:p>
@@ -2794,7 +2794,7 @@
           <a:p>
             <a:fld id="{034EC1D1-0E05-47D0-B125-0ACF846A4397}" type="datetimeFigureOut">
               <a:rPr lang="en-US" smtClean="0"/>
-              <a:t>8/15/2016</a:t>
+              <a:t>11/4/2016</a:t>
             </a:fld>
             <a:endParaRPr lang="en-US"/>
           </a:p>
@@ -2845,7 +2845,7 @@
     </p:spTree>
     <p:extLst>
       <p:ext uri="{BB962C8B-B14F-4D97-AF65-F5344CB8AC3E}">
-        <p14:creationId xmlns:p14="http://schemas.microsoft.com/office/powerpoint/2010/main" val="3699234438"/>
+        <p14:creationId xmlns:p14="http://schemas.microsoft.com/office/powerpoint/2010/main" val="3337416223"/>
       </p:ext>
     </p:extLst>
   </p:cSld>
@@ -2889,8 +2889,8 @@
         </p:nvSpPr>
         <p:spPr>
           <a:xfrm>
-            <a:off x="942975" y="613362"/>
-            <a:ext cx="11830050" cy="2226762"/>
+            <a:off x="866249" y="440856"/>
+            <a:ext cx="10867490" cy="1600495"/>
           </a:xfrm>
           <a:prstGeom prst="rect">
             <a:avLst/>
@@ -2922,8 +2922,8 @@
         </p:nvSpPr>
         <p:spPr>
           <a:xfrm>
-            <a:off x="942975" y="3066796"/>
-            <a:ext cx="11830050" cy="7309644"/>
+            <a:off x="866249" y="2204273"/>
+            <a:ext cx="10867490" cy="5253838"/>
           </a:xfrm>
           <a:prstGeom prst="rect">
             <a:avLst/>
@@ -2984,8 +2984,8 @@
         </p:nvSpPr>
         <p:spPr>
           <a:xfrm>
-            <a:off x="942975" y="10677788"/>
-            <a:ext cx="3086100" cy="613359"/>
+            <a:off x="866249" y="7674706"/>
+            <a:ext cx="2834997" cy="440855"/>
           </a:xfrm>
           <a:prstGeom prst="rect">
             <a:avLst/>
@@ -2995,7 +2995,7 @@
           <a:bodyPr vert="horz" lIns="91440" tIns="45720" rIns="91440" bIns="45720" rtlCol="0" anchor="ctr"/>
           <a:lstStyle>
             <a:lvl1pPr algn="l">
-              <a:defRPr sz="1800">
+              <a:defRPr sz="1449">
                 <a:solidFill>
                   <a:schemeClr val="tx1">
                     <a:tint val="75000"/>
@@ -3007,7 +3007,7 @@
           <a:p>
             <a:fld id="{034EC1D1-0E05-47D0-B125-0ACF846A4397}" type="datetimeFigureOut">
               <a:rPr lang="en-US" smtClean="0"/>
-              <a:t>8/15/2016</a:t>
+              <a:t>11/4/2016</a:t>
             </a:fld>
             <a:endParaRPr lang="en-US"/>
           </a:p>
@@ -3025,8 +3025,8 @@
         </p:nvSpPr>
         <p:spPr>
           <a:xfrm>
-            <a:off x="4543425" y="10677788"/>
-            <a:ext cx="4629150" cy="613359"/>
+            <a:off x="4173746" y="7674706"/>
+            <a:ext cx="4252496" cy="440855"/>
           </a:xfrm>
           <a:prstGeom prst="rect">
             <a:avLst/>
@@ -3036,7 +3036,7 @@
           <a:bodyPr vert="horz" lIns="91440" tIns="45720" rIns="91440" bIns="45720" rtlCol="0" anchor="ctr"/>
           <a:lstStyle>
             <a:lvl1pPr algn="ctr">
-              <a:defRPr sz="1800">
+              <a:defRPr sz="1449">
                 <a:solidFill>
                   <a:schemeClr val="tx1">
                     <a:tint val="75000"/>
@@ -3062,8 +3062,8 @@
         </p:nvSpPr>
         <p:spPr>
           <a:xfrm>
-            <a:off x="9686925" y="10677788"/>
-            <a:ext cx="3086100" cy="613359"/>
+            <a:off x="8898742" y="7674706"/>
+            <a:ext cx="2834997" cy="440855"/>
           </a:xfrm>
           <a:prstGeom prst="rect">
             <a:avLst/>
@@ -3073,7 +3073,7 @@
           <a:bodyPr vert="horz" lIns="91440" tIns="45720" rIns="91440" bIns="45720" rtlCol="0" anchor="ctr"/>
           <a:lstStyle>
             <a:lvl1pPr algn="r">
-              <a:defRPr sz="1800">
+              <a:defRPr sz="1449">
                 <a:solidFill>
                   <a:schemeClr val="tx1">
                     <a:tint val="75000"/>
@@ -3094,27 +3094,27 @@
     </p:spTree>
     <p:extLst>
       <p:ext uri="{BB962C8B-B14F-4D97-AF65-F5344CB8AC3E}">
-        <p14:creationId xmlns:p14="http://schemas.microsoft.com/office/powerpoint/2010/main" val="3450729818"/>
+        <p14:creationId xmlns:p14="http://schemas.microsoft.com/office/powerpoint/2010/main" val="3601245121"/>
       </p:ext>
     </p:extLst>
   </p:cSld>
   <p:clrMap bg1="lt1" tx1="dk1" bg2="lt2" tx2="dk2" accent1="accent1" accent2="accent2" accent3="accent3" accent4="accent4" accent5="accent5" accent6="accent6" hlink="hlink" folHlink="folHlink"/>
   <p:sldLayoutIdLst>
-    <p:sldLayoutId id="2147483961" r:id="rId1"/>
-    <p:sldLayoutId id="2147483962" r:id="rId2"/>
-    <p:sldLayoutId id="2147483963" r:id="rId3"/>
-    <p:sldLayoutId id="2147483964" r:id="rId4"/>
-    <p:sldLayoutId id="2147483965" r:id="rId5"/>
-    <p:sldLayoutId id="2147483966" r:id="rId6"/>
-    <p:sldLayoutId id="2147483967" r:id="rId7"/>
-    <p:sldLayoutId id="2147483968" r:id="rId8"/>
-    <p:sldLayoutId id="2147483969" r:id="rId9"/>
-    <p:sldLayoutId id="2147483970" r:id="rId10"/>
-    <p:sldLayoutId id="2147483971" r:id="rId11"/>
+    <p:sldLayoutId id="2147483985" r:id="rId1"/>
+    <p:sldLayoutId id="2147483986" r:id="rId2"/>
+    <p:sldLayoutId id="2147483987" r:id="rId3"/>
+    <p:sldLayoutId id="2147483988" r:id="rId4"/>
+    <p:sldLayoutId id="2147483989" r:id="rId5"/>
+    <p:sldLayoutId id="2147483990" r:id="rId6"/>
+    <p:sldLayoutId id="2147483991" r:id="rId7"/>
+    <p:sldLayoutId id="2147483992" r:id="rId8"/>
+    <p:sldLayoutId id="2147483993" r:id="rId9"/>
+    <p:sldLayoutId id="2147483994" r:id="rId10"/>
+    <p:sldLayoutId id="2147483995" r:id="rId11"/>
   </p:sldLayoutIdLst>
   <p:txStyles>
     <p:titleStyle>
-      <a:lvl1pPr algn="l" defTabSz="1371600" rtl="0" eaLnBrk="1" latinLnBrk="0" hangingPunct="1">
+      <a:lvl1pPr algn="l" defTabSz="1104047" rtl="0" eaLnBrk="1" latinLnBrk="0" hangingPunct="1">
         <a:lnSpc>
           <a:spcPct val="90000"/>
         </a:lnSpc>
@@ -3122,7 +3122,7 @@
           <a:spcPct val="0"/>
         </a:spcBef>
         <a:buNone/>
-        <a:defRPr sz="6600" kern="1200">
+        <a:defRPr sz="5313" kern="1200">
           <a:solidFill>
             <a:schemeClr val="tx1"/>
           </a:solidFill>
@@ -3133,16 +3133,16 @@
       </a:lvl1pPr>
     </p:titleStyle>
     <p:bodyStyle>
-      <a:lvl1pPr marL="342900" indent="-342900" algn="l" defTabSz="1371600" rtl="0" eaLnBrk="1" latinLnBrk="0" hangingPunct="1">
+      <a:lvl1pPr marL="276012" indent="-276012" algn="l" defTabSz="1104047" rtl="0" eaLnBrk="1" latinLnBrk="0" hangingPunct="1">
         <a:lnSpc>
           <a:spcPct val="90000"/>
         </a:lnSpc>
         <a:spcBef>
-          <a:spcPts val="1500"/>
+          <a:spcPts val="1207"/>
         </a:spcBef>
         <a:buFont typeface="Arial" panose="020B0604020202020204" pitchFamily="34" charset="0"/>
         <a:buChar char="•"/>
-        <a:defRPr sz="4200" kern="1200">
+        <a:defRPr sz="3381" kern="1200">
           <a:solidFill>
             <a:schemeClr val="tx1"/>
           </a:solidFill>
@@ -3151,16 +3151,16 @@
           <a:cs typeface="+mn-cs"/>
         </a:defRPr>
       </a:lvl1pPr>
-      <a:lvl2pPr marL="1028700" indent="-342900" algn="l" defTabSz="1371600" rtl="0" eaLnBrk="1" latinLnBrk="0" hangingPunct="1">
+      <a:lvl2pPr marL="828035" indent="-276012" algn="l" defTabSz="1104047" rtl="0" eaLnBrk="1" latinLnBrk="0" hangingPunct="1">
         <a:lnSpc>
           <a:spcPct val="90000"/>
         </a:lnSpc>
         <a:spcBef>
-          <a:spcPts val="750"/>
+          <a:spcPts val="604"/>
         </a:spcBef>
         <a:buFont typeface="Arial" panose="020B0604020202020204" pitchFamily="34" charset="0"/>
         <a:buChar char="•"/>
-        <a:defRPr sz="3600" kern="1200">
+        <a:defRPr sz="2898" kern="1200">
           <a:solidFill>
             <a:schemeClr val="tx1"/>
           </a:solidFill>
@@ -3169,16 +3169,16 @@
           <a:cs typeface="+mn-cs"/>
         </a:defRPr>
       </a:lvl2pPr>
-      <a:lvl3pPr marL="1714500" indent="-342900" algn="l" defTabSz="1371600" rtl="0" eaLnBrk="1" latinLnBrk="0" hangingPunct="1">
+      <a:lvl3pPr marL="1380058" indent="-276012" algn="l" defTabSz="1104047" rtl="0" eaLnBrk="1" latinLnBrk="0" hangingPunct="1">
         <a:lnSpc>
           <a:spcPct val="90000"/>
         </a:lnSpc>
         <a:spcBef>
-          <a:spcPts val="750"/>
+          <a:spcPts val="604"/>
         </a:spcBef>
         <a:buFont typeface="Arial" panose="020B0604020202020204" pitchFamily="34" charset="0"/>
         <a:buChar char="•"/>
-        <a:defRPr sz="3000" kern="1200">
+        <a:defRPr sz="2415" kern="1200">
           <a:solidFill>
             <a:schemeClr val="tx1"/>
           </a:solidFill>
@@ -3187,16 +3187,16 @@
           <a:cs typeface="+mn-cs"/>
         </a:defRPr>
       </a:lvl3pPr>
-      <a:lvl4pPr marL="2400300" indent="-342900" algn="l" defTabSz="1371600" rtl="0" eaLnBrk="1" latinLnBrk="0" hangingPunct="1">
+      <a:lvl4pPr marL="1932081" indent="-276012" algn="l" defTabSz="1104047" rtl="0" eaLnBrk="1" latinLnBrk="0" hangingPunct="1">
         <a:lnSpc>
           <a:spcPct val="90000"/>
         </a:lnSpc>
         <a:spcBef>
-          <a:spcPts val="750"/>
+          <a:spcPts val="604"/>
         </a:spcBef>
         <a:buFont typeface="Arial" panose="020B0604020202020204" pitchFamily="34" charset="0"/>
         <a:buChar char="•"/>
-        <a:defRPr sz="2700" kern="1200">
+        <a:defRPr sz="2173" kern="1200">
           <a:solidFill>
             <a:schemeClr val="tx1"/>
           </a:solidFill>
@@ -3205,16 +3205,16 @@
           <a:cs typeface="+mn-cs"/>
         </a:defRPr>
       </a:lvl4pPr>
-      <a:lvl5pPr marL="3086100" indent="-342900" algn="l" defTabSz="1371600" rtl="0" eaLnBrk="1" latinLnBrk="0" hangingPunct="1">
+      <a:lvl5pPr marL="2484105" indent="-276012" algn="l" defTabSz="1104047" rtl="0" eaLnBrk="1" latinLnBrk="0" hangingPunct="1">
         <a:lnSpc>
           <a:spcPct val="90000"/>
         </a:lnSpc>
         <a:spcBef>
-          <a:spcPts val="750"/>
+          <a:spcPts val="604"/>
         </a:spcBef>
         <a:buFont typeface="Arial" panose="020B0604020202020204" pitchFamily="34" charset="0"/>
         <a:buChar char="•"/>
-        <a:defRPr sz="2700" kern="1200">
+        <a:defRPr sz="2173" kern="1200">
           <a:solidFill>
             <a:schemeClr val="tx1"/>
           </a:solidFill>
@@ -3223,16 +3223,16 @@
           <a:cs typeface="+mn-cs"/>
         </a:defRPr>
       </a:lvl5pPr>
-      <a:lvl6pPr marL="3771900" indent="-342900" algn="l" defTabSz="1371600" rtl="0" eaLnBrk="1" latinLnBrk="0" hangingPunct="1">
+      <a:lvl6pPr marL="3036128" indent="-276012" algn="l" defTabSz="1104047" rtl="0" eaLnBrk="1" latinLnBrk="0" hangingPunct="1">
         <a:lnSpc>
           <a:spcPct val="90000"/>
         </a:lnSpc>
         <a:spcBef>
-          <a:spcPts val="750"/>
+          <a:spcPts val="604"/>
         </a:spcBef>
         <a:buFont typeface="Arial" panose="020B0604020202020204" pitchFamily="34" charset="0"/>
         <a:buChar char="•"/>
-        <a:defRPr sz="2700" kern="1200">
+        <a:defRPr sz="2173" kern="1200">
           <a:solidFill>
             <a:schemeClr val="tx1"/>
           </a:solidFill>
@@ -3241,16 +3241,16 @@
           <a:cs typeface="+mn-cs"/>
         </a:defRPr>
       </a:lvl6pPr>
-      <a:lvl7pPr marL="4457700" indent="-342900" algn="l" defTabSz="1371600" rtl="0" eaLnBrk="1" latinLnBrk="0" hangingPunct="1">
+      <a:lvl7pPr marL="3588151" indent="-276012" algn="l" defTabSz="1104047" rtl="0" eaLnBrk="1" latinLnBrk="0" hangingPunct="1">
         <a:lnSpc>
           <a:spcPct val="90000"/>
         </a:lnSpc>
         <a:spcBef>
-          <a:spcPts val="750"/>
+          <a:spcPts val="604"/>
         </a:spcBef>
         <a:buFont typeface="Arial" panose="020B0604020202020204" pitchFamily="34" charset="0"/>
         <a:buChar char="•"/>
-        <a:defRPr sz="2700" kern="1200">
+        <a:defRPr sz="2173" kern="1200">
           <a:solidFill>
             <a:schemeClr val="tx1"/>
           </a:solidFill>
@@ -3259,16 +3259,16 @@
           <a:cs typeface="+mn-cs"/>
         </a:defRPr>
       </a:lvl7pPr>
-      <a:lvl8pPr marL="5143500" indent="-342900" algn="l" defTabSz="1371600" rtl="0" eaLnBrk="1" latinLnBrk="0" hangingPunct="1">
+      <a:lvl8pPr marL="4140175" indent="-276012" algn="l" defTabSz="1104047" rtl="0" eaLnBrk="1" latinLnBrk="0" hangingPunct="1">
         <a:lnSpc>
           <a:spcPct val="90000"/>
         </a:lnSpc>
         <a:spcBef>
-          <a:spcPts val="750"/>
+          <a:spcPts val="604"/>
         </a:spcBef>
         <a:buFont typeface="Arial" panose="020B0604020202020204" pitchFamily="34" charset="0"/>
         <a:buChar char="•"/>
-        <a:defRPr sz="2700" kern="1200">
+        <a:defRPr sz="2173" kern="1200">
           <a:solidFill>
             <a:schemeClr val="tx1"/>
           </a:solidFill>
@@ -3277,16 +3277,16 @@
           <a:cs typeface="+mn-cs"/>
         </a:defRPr>
       </a:lvl8pPr>
-      <a:lvl9pPr marL="5829300" indent="-342900" algn="l" defTabSz="1371600" rtl="0" eaLnBrk="1" latinLnBrk="0" hangingPunct="1">
+      <a:lvl9pPr marL="4692198" indent="-276012" algn="l" defTabSz="1104047" rtl="0" eaLnBrk="1" latinLnBrk="0" hangingPunct="1">
         <a:lnSpc>
           <a:spcPct val="90000"/>
         </a:lnSpc>
         <a:spcBef>
-          <a:spcPts val="750"/>
+          <a:spcPts val="604"/>
         </a:spcBef>
         <a:buFont typeface="Arial" panose="020B0604020202020204" pitchFamily="34" charset="0"/>
         <a:buChar char="•"/>
-        <a:defRPr sz="2700" kern="1200">
+        <a:defRPr sz="2173" kern="1200">
           <a:solidFill>
             <a:schemeClr val="tx1"/>
           </a:solidFill>
@@ -3300,8 +3300,8 @@
       <a:defPPr>
         <a:defRPr lang="en-US"/>
       </a:defPPr>
-      <a:lvl1pPr marL="0" algn="l" defTabSz="1371600" rtl="0" eaLnBrk="1" latinLnBrk="0" hangingPunct="1">
-        <a:defRPr sz="2700" kern="1200">
+      <a:lvl1pPr marL="0" algn="l" defTabSz="1104047" rtl="0" eaLnBrk="1" latinLnBrk="0" hangingPunct="1">
+        <a:defRPr sz="2173" kern="1200">
           <a:solidFill>
             <a:schemeClr val="tx1"/>
           </a:solidFill>
@@ -3310,8 +3310,8 @@
           <a:cs typeface="+mn-cs"/>
         </a:defRPr>
       </a:lvl1pPr>
-      <a:lvl2pPr marL="685800" algn="l" defTabSz="1371600" rtl="0" eaLnBrk="1" latinLnBrk="0" hangingPunct="1">
-        <a:defRPr sz="2700" kern="1200">
+      <a:lvl2pPr marL="552023" algn="l" defTabSz="1104047" rtl="0" eaLnBrk="1" latinLnBrk="0" hangingPunct="1">
+        <a:defRPr sz="2173" kern="1200">
           <a:solidFill>
             <a:schemeClr val="tx1"/>
           </a:solidFill>
@@ -3320,8 +3320,8 @@
           <a:cs typeface="+mn-cs"/>
         </a:defRPr>
       </a:lvl2pPr>
-      <a:lvl3pPr marL="1371600" algn="l" defTabSz="1371600" rtl="0" eaLnBrk="1" latinLnBrk="0" hangingPunct="1">
-        <a:defRPr sz="2700" kern="1200">
+      <a:lvl3pPr marL="1104047" algn="l" defTabSz="1104047" rtl="0" eaLnBrk="1" latinLnBrk="0" hangingPunct="1">
+        <a:defRPr sz="2173" kern="1200">
           <a:solidFill>
             <a:schemeClr val="tx1"/>
           </a:solidFill>
@@ -3330,8 +3330,8 @@
           <a:cs typeface="+mn-cs"/>
         </a:defRPr>
       </a:lvl3pPr>
-      <a:lvl4pPr marL="2057400" algn="l" defTabSz="1371600" rtl="0" eaLnBrk="1" latinLnBrk="0" hangingPunct="1">
-        <a:defRPr sz="2700" kern="1200">
+      <a:lvl4pPr marL="1656070" algn="l" defTabSz="1104047" rtl="0" eaLnBrk="1" latinLnBrk="0" hangingPunct="1">
+        <a:defRPr sz="2173" kern="1200">
           <a:solidFill>
             <a:schemeClr val="tx1"/>
           </a:solidFill>
@@ -3340,8 +3340,8 @@
           <a:cs typeface="+mn-cs"/>
         </a:defRPr>
       </a:lvl4pPr>
-      <a:lvl5pPr marL="2743200" algn="l" defTabSz="1371600" rtl="0" eaLnBrk="1" latinLnBrk="0" hangingPunct="1">
-        <a:defRPr sz="2700" kern="1200">
+      <a:lvl5pPr marL="2208093" algn="l" defTabSz="1104047" rtl="0" eaLnBrk="1" latinLnBrk="0" hangingPunct="1">
+        <a:defRPr sz="2173" kern="1200">
           <a:solidFill>
             <a:schemeClr val="tx1"/>
           </a:solidFill>
@@ -3350,8 +3350,8 @@
           <a:cs typeface="+mn-cs"/>
         </a:defRPr>
       </a:lvl5pPr>
-      <a:lvl6pPr marL="3429000" algn="l" defTabSz="1371600" rtl="0" eaLnBrk="1" latinLnBrk="0" hangingPunct="1">
-        <a:defRPr sz="2700" kern="1200">
+      <a:lvl6pPr marL="2760116" algn="l" defTabSz="1104047" rtl="0" eaLnBrk="1" latinLnBrk="0" hangingPunct="1">
+        <a:defRPr sz="2173" kern="1200">
           <a:solidFill>
             <a:schemeClr val="tx1"/>
           </a:solidFill>
@@ -3360,8 +3360,8 @@
           <a:cs typeface="+mn-cs"/>
         </a:defRPr>
       </a:lvl6pPr>
-      <a:lvl7pPr marL="4114800" algn="l" defTabSz="1371600" rtl="0" eaLnBrk="1" latinLnBrk="0" hangingPunct="1">
-        <a:defRPr sz="2700" kern="1200">
+      <a:lvl7pPr marL="3312140" algn="l" defTabSz="1104047" rtl="0" eaLnBrk="1" latinLnBrk="0" hangingPunct="1">
+        <a:defRPr sz="2173" kern="1200">
           <a:solidFill>
             <a:schemeClr val="tx1"/>
           </a:solidFill>
@@ -3370,8 +3370,8 @@
           <a:cs typeface="+mn-cs"/>
         </a:defRPr>
       </a:lvl7pPr>
-      <a:lvl8pPr marL="4800600" algn="l" defTabSz="1371600" rtl="0" eaLnBrk="1" latinLnBrk="0" hangingPunct="1">
-        <a:defRPr sz="2700" kern="1200">
+      <a:lvl8pPr marL="3864163" algn="l" defTabSz="1104047" rtl="0" eaLnBrk="1" latinLnBrk="0" hangingPunct="1">
+        <a:defRPr sz="2173" kern="1200">
           <a:solidFill>
             <a:schemeClr val="tx1"/>
           </a:solidFill>
@@ -3380,8 +3380,8 @@
           <a:cs typeface="+mn-cs"/>
         </a:defRPr>
       </a:lvl8pPr>
-      <a:lvl9pPr marL="5486400" algn="l" defTabSz="1371600" rtl="0" eaLnBrk="1" latinLnBrk="0" hangingPunct="1">
-        <a:defRPr sz="2700" kern="1200">
+      <a:lvl9pPr marL="4416186" algn="l" defTabSz="1104047" rtl="0" eaLnBrk="1" latinLnBrk="0" hangingPunct="1">
+        <a:defRPr sz="2173" kern="1200">
           <a:solidFill>
             <a:schemeClr val="tx1"/>
           </a:solidFill>
@@ -3430,8 +3430,8 @@
         </p:nvSpPr>
         <p:spPr>
           <a:xfrm>
-            <a:off x="1427148" y="2033685"/>
-            <a:ext cx="10805444" cy="6576764"/>
+            <a:off x="881176" y="743588"/>
+            <a:ext cx="10805443" cy="6576764"/>
           </a:xfrm>
           <a:prstGeom prst="roundRect">
             <a:avLst/>
@@ -3485,8 +3485,8 @@
         </p:nvSpPr>
         <p:spPr>
           <a:xfrm>
-            <a:off x="7471079" y="6473737"/>
-            <a:ext cx="3352964" cy="1656671"/>
+            <a:off x="6925106" y="5183642"/>
+            <a:ext cx="3352964" cy="1915404"/>
           </a:xfrm>
           <a:prstGeom prst="roundRect">
             <a:avLst/>
@@ -3557,13 +3557,18 @@
           <a:p>
             <a:pPr algn="ctr"/>
             <a:r>
-              <a:rPr lang="en-US" sz="1782" dirty="0">
+              <a:rPr lang="en-CA" sz="1999" dirty="0">
                 <a:solidFill>
                   <a:srgbClr val="666633"/>
                 </a:solidFill>
               </a:rPr>
-              <a:t>Constructing the anti-unifier</a:t>
-            </a:r>
+              <a:t>5.3 Constructing the anti-unifier</a:t>
+            </a:r>
+            <a:endParaRPr lang="en-US" sz="1999" dirty="0">
+              <a:solidFill>
+                <a:srgbClr val="666633"/>
+              </a:solidFill>
+            </a:endParaRPr>
           </a:p>
         </p:txBody>
       </p:sp>
@@ -3575,8 +3580,8 @@
         </p:nvSpPr>
         <p:spPr>
           <a:xfrm>
-            <a:off x="3238959" y="6474669"/>
-            <a:ext cx="2797034" cy="1792191"/>
+            <a:off x="2512368" y="5197622"/>
+            <a:ext cx="3417484" cy="1901424"/>
           </a:xfrm>
           <a:prstGeom prst="roundRect">
             <a:avLst/>
@@ -3654,22 +3659,19 @@
           </a:p>
           <a:p>
             <a:pPr algn="ctr"/>
-            <a:endParaRPr lang="en-US" sz="1782" b="1" dirty="0">
+            <a:r>
+              <a:rPr lang="en-CA" sz="1999" dirty="0">
+                <a:solidFill>
+                  <a:srgbClr val="666633"/>
+                </a:solidFill>
+              </a:rPr>
+              <a:t>5.2 Computing similarity between AUASTs</a:t>
+            </a:r>
+            <a:endParaRPr lang="en-US" sz="1999" dirty="0">
               <a:solidFill>
                 <a:srgbClr val="666633"/>
               </a:solidFill>
             </a:endParaRPr>
-          </a:p>
-          <a:p>
-            <a:pPr algn="ctr"/>
-            <a:r>
-              <a:rPr lang="en-US" sz="1782" dirty="0">
-                <a:solidFill>
-                  <a:srgbClr val="666633"/>
-                </a:solidFill>
-              </a:rPr>
-              <a:t> Computing similarity between AUASTs</a:t>
-            </a:r>
           </a:p>
           <a:p>
             <a:pPr algn="ctr"/>
@@ -3679,14 +3681,6 @@
               </a:solidFill>
             </a:endParaRPr>
           </a:p>
-          <a:p>
-            <a:pPr algn="ctr"/>
-            <a:endParaRPr lang="en-US" sz="1782" b="1" dirty="0">
-              <a:solidFill>
-                <a:srgbClr val="666633"/>
-              </a:solidFill>
-            </a:endParaRPr>
-          </a:p>
         </p:txBody>
       </p:sp>
       <p:sp>
@@ -3697,7 +3691,7 @@
         </p:nvSpPr>
         <p:spPr>
           <a:xfrm>
-            <a:off x="2185234" y="2329145"/>
+            <a:off x="1639263" y="1039048"/>
             <a:ext cx="9289275" cy="2985005"/>
           </a:xfrm>
           <a:prstGeom prst="roundRect">
@@ -3809,29 +3803,26 @@
           <a:p>
             <a:pPr algn="ctr"/>
             <a:r>
-              <a:rPr lang="en-US" sz="1782" dirty="0">
+              <a:rPr lang="en-US" sz="1999" dirty="0">
                 <a:solidFill>
                   <a:srgbClr val="666633"/>
                 </a:solidFill>
               </a:rPr>
-              <a:t>                              </a:t>
-            </a:r>
-            <a:r>
-              <a:rPr lang="en-US" sz="1782">
+              <a:t>                                       </a:t>
+            </a:r>
+            <a:r>
+              <a:rPr lang="en-CA" sz="1999" dirty="0">
                 <a:solidFill>
                   <a:srgbClr val="666633"/>
                 </a:solidFill>
               </a:rPr>
-              <a:t>Determining the best </a:t>
-            </a:r>
-            <a:r>
-              <a:rPr lang="en-US" sz="1782" dirty="0">
-                <a:solidFill>
-                  <a:srgbClr val="666633"/>
-                </a:solidFill>
-              </a:rPr>
-              <a:t>correspondences</a:t>
-            </a:r>
+              <a:t>5.1 Determining the best correspondences</a:t>
+            </a:r>
+            <a:endParaRPr lang="en-US" sz="1999" dirty="0">
+              <a:solidFill>
+                <a:srgbClr val="666633"/>
+              </a:solidFill>
+            </a:endParaRPr>
           </a:p>
         </p:txBody>
       </p:sp>
@@ -3843,8 +3834,8 @@
         </p:nvSpPr>
         <p:spPr>
           <a:xfrm>
-            <a:off x="8225823" y="6886616"/>
-            <a:ext cx="1745334" cy="706635"/>
+            <a:off x="7429711" y="5482887"/>
+            <a:ext cx="2303050" cy="706635"/>
           </a:xfrm>
           <a:prstGeom prst="rect">
             <a:avLst/>
@@ -3897,7 +3888,18 @@
           <a:p>
             <a:pPr algn="ctr"/>
             <a:r>
-              <a:rPr lang="en-US" sz="1521" dirty="0">
+              <a:rPr lang="en-CA" sz="1600" dirty="0">
+                <a:solidFill>
+                  <a:srgbClr val="666633"/>
+                </a:solidFill>
+              </a:rPr>
+              <a:t>Algorithm 5.5</a:t>
+            </a:r>
+          </a:p>
+          <a:p>
+            <a:pPr algn="ctr"/>
+            <a:r>
+              <a:rPr lang="en-US" sz="1521" b="1" dirty="0">
                 <a:solidFill>
                   <a:srgbClr val="666633"/>
                 </a:solidFill>
@@ -3915,8 +3917,8 @@
         </p:nvSpPr>
         <p:spPr>
           <a:xfrm>
-            <a:off x="7824324" y="8949706"/>
-            <a:ext cx="2621458" cy="399981"/>
+            <a:off x="7288772" y="7737389"/>
+            <a:ext cx="2623545" cy="399981"/>
           </a:xfrm>
           <a:prstGeom prst="rect">
             <a:avLst/>
@@ -3935,7 +3937,7 @@
                   <a:srgbClr val="666633"/>
                 </a:solidFill>
               </a:rPr>
-              <a:t>    Anti-unified AUAST</a:t>
+              <a:t>           Anti-unifier</a:t>
             </a:r>
           </a:p>
         </p:txBody>
@@ -3948,8 +3950,8 @@
         </p:nvSpPr>
         <p:spPr>
           <a:xfrm>
-            <a:off x="4046244" y="9016759"/>
-            <a:ext cx="1441680" cy="399981"/>
+            <a:off x="3500272" y="7726665"/>
+            <a:ext cx="1441679" cy="399981"/>
           </a:xfrm>
           <a:prstGeom prst="rect">
             <a:avLst/>
@@ -3981,8 +3983,8 @@
         </p:nvSpPr>
         <p:spPr>
           <a:xfrm>
-            <a:off x="3657641" y="6781909"/>
-            <a:ext cx="2026019" cy="762116"/>
+            <a:off x="3012591" y="5482884"/>
+            <a:ext cx="2514557" cy="762116"/>
           </a:xfrm>
           <a:prstGeom prst="rect">
             <a:avLst/>
@@ -4035,13 +4037,29 @@
           <a:p>
             <a:pPr algn="ctr"/>
             <a:r>
-              <a:rPr lang="en-US" sz="1521" dirty="0">
+              <a:rPr lang="en-CA" sz="1600" dirty="0">
                 <a:solidFill>
                   <a:srgbClr val="666633"/>
                 </a:solidFill>
               </a:rPr>
-              <a:t>COMPUTE-SIMILARITY</a:t>
-            </a:r>
+              <a:t>Algorithm 5.4 </a:t>
+            </a:r>
+          </a:p>
+          <a:p>
+            <a:pPr algn="ctr"/>
+            <a:r>
+              <a:rPr lang="en-CA" sz="1521" b="1" dirty="0">
+                <a:solidFill>
+                  <a:srgbClr val="666633"/>
+                </a:solidFill>
+              </a:rPr>
+              <a:t>COMPUTE-BEST-MATCHES</a:t>
+            </a:r>
+            <a:endParaRPr lang="en-US" sz="1521" b="1" dirty="0">
+              <a:solidFill>
+                <a:srgbClr val="666633"/>
+              </a:solidFill>
+            </a:endParaRPr>
           </a:p>
         </p:txBody>
       </p:sp>
@@ -4053,8 +4071,8 @@
         </p:nvCxnSpPr>
         <p:spPr>
           <a:xfrm>
-            <a:off x="3870887" y="5548048"/>
-            <a:ext cx="4354937" cy="939677"/>
+            <a:off x="3324917" y="4257955"/>
+            <a:ext cx="4354938" cy="939675"/>
           </a:xfrm>
           <a:prstGeom prst="bentConnector3">
             <a:avLst>
@@ -4067,6 +4085,7 @@
                 <a:alpha val="63000"/>
               </a:srgbClr>
             </a:solidFill>
+            <a:prstDash val="sysDash"/>
             <a:headEnd w="lg" len="lg"/>
             <a:tailEnd type="triangle"/>
           </a:ln>
@@ -4094,7 +4113,7 @@
         </p:nvSpPr>
         <p:spPr>
           <a:xfrm>
-            <a:off x="7654641" y="3901611"/>
+            <a:off x="7108667" y="2611516"/>
             <a:ext cx="3353110" cy="706203"/>
           </a:xfrm>
           <a:prstGeom prst="rect">
@@ -4148,7 +4167,23 @@
           <a:p>
             <a:pPr algn="ctr"/>
             <a:r>
-              <a:rPr lang="en-US" sz="1521" dirty="0">
+              <a:rPr lang="en-CA" sz="1600" dirty="0">
+                <a:solidFill>
+                  <a:srgbClr val="666633"/>
+                </a:solidFill>
+              </a:rPr>
+              <a:t>Algorithm 5.3</a:t>
+            </a:r>
+            <a:endParaRPr lang="en-US" sz="1600" dirty="0">
+              <a:solidFill>
+                <a:srgbClr val="666633"/>
+              </a:solidFill>
+            </a:endParaRPr>
+          </a:p>
+          <a:p>
+            <a:pPr algn="ctr"/>
+            <a:r>
+              <a:rPr lang="en-US" sz="1521" b="1" dirty="0">
                 <a:solidFill>
                   <a:srgbClr val="666633"/>
                 </a:solidFill>
@@ -4166,8 +4201,8 @@
         </p:nvSpPr>
         <p:spPr>
           <a:xfrm>
-            <a:off x="4970510" y="1553157"/>
-            <a:ext cx="1073321" cy="326371"/>
+            <a:off x="4429065" y="214060"/>
+            <a:ext cx="1330224" cy="399981"/>
           </a:xfrm>
           <a:prstGeom prst="rect">
             <a:avLst/>
@@ -4181,12 +4216,20 @@
           <a:lstStyle/>
           <a:p>
             <a:r>
-              <a:rPr lang="en-US" sz="1521" dirty="0">
+              <a:rPr lang="en-US" sz="1999" dirty="0">
                 <a:solidFill>
                   <a:srgbClr val="666633"/>
                 </a:solidFill>
               </a:rPr>
-              <a:t>   AUAST B</a:t>
+              <a:t> AUAST </a:t>
+            </a:r>
+            <a:r>
+              <a:rPr lang="en-US" sz="1999" i="1" dirty="0">
+                <a:solidFill>
+                  <a:srgbClr val="666633"/>
+                </a:solidFill>
+              </a:rPr>
+              <a:t>B</a:t>
             </a:r>
           </a:p>
         </p:txBody>
@@ -4199,7 +4242,7 @@
         </p:nvCxnSpPr>
         <p:spPr>
           <a:xfrm rot="5400000">
-            <a:off x="5153011" y="2258582"/>
+            <a:off x="4607040" y="968484"/>
             <a:ext cx="761485" cy="1834"/>
           </a:xfrm>
           <a:prstGeom prst="bentConnector3">
@@ -4213,6 +4256,7 @@
                 <a:alpha val="63000"/>
               </a:srgbClr>
             </a:solidFill>
+            <a:prstDash val="sysDash"/>
             <a:headEnd w="lg" len="lg"/>
             <a:tailEnd type="triangle"/>
           </a:ln>
@@ -4240,7 +4284,7 @@
         </p:nvSpPr>
         <p:spPr>
           <a:xfrm>
-            <a:off x="2729612" y="2648638"/>
+            <a:off x="2183644" y="1358539"/>
             <a:ext cx="4046859" cy="1887866"/>
           </a:xfrm>
           <a:prstGeom prst="rect">
@@ -4294,7 +4338,23 @@
           <a:p>
             <a:pPr algn="ctr"/>
             <a:r>
-              <a:rPr lang="en-US" sz="1521" dirty="0">
+              <a:rPr lang="en-CA" sz="1600" dirty="0">
+                <a:solidFill>
+                  <a:srgbClr val="666633"/>
+                </a:solidFill>
+              </a:rPr>
+              <a:t>Algorithm 5.1</a:t>
+            </a:r>
+            <a:endParaRPr lang="en-US" sz="1600" dirty="0">
+              <a:solidFill>
+                <a:srgbClr val="666633"/>
+              </a:solidFill>
+            </a:endParaRPr>
+          </a:p>
+          <a:p>
+            <a:pPr algn="ctr"/>
+            <a:r>
+              <a:rPr lang="en-US" sz="1521" b="1" dirty="0">
                 <a:solidFill>
                   <a:srgbClr val="666633"/>
                 </a:solidFill>
@@ -4312,8 +4372,8 @@
         </p:nvSpPr>
         <p:spPr>
           <a:xfrm>
-            <a:off x="8226587" y="2656161"/>
-            <a:ext cx="2203302" cy="706203"/>
+            <a:off x="7680614" y="1366066"/>
+            <a:ext cx="2203303" cy="706203"/>
           </a:xfrm>
           <a:prstGeom prst="rect">
             <a:avLst/>
@@ -4366,7 +4426,23 @@
           <a:p>
             <a:pPr algn="ctr"/>
             <a:r>
-              <a:rPr lang="en-US" sz="1521" dirty="0">
+              <a:rPr lang="en-CA" sz="1600" dirty="0">
+                <a:solidFill>
+                  <a:srgbClr val="666633"/>
+                </a:solidFill>
+              </a:rPr>
+              <a:t>Algorithm 5.2</a:t>
+            </a:r>
+            <a:endParaRPr lang="en-CA" sz="1600" b="1" dirty="0">
+              <a:solidFill>
+                <a:srgbClr val="666633"/>
+              </a:solidFill>
+            </a:endParaRPr>
+          </a:p>
+          <a:p>
+            <a:pPr algn="ctr"/>
+            <a:r>
+              <a:rPr lang="en-US" sz="1521" b="1" dirty="0">
                 <a:solidFill>
                   <a:srgbClr val="666633"/>
                 </a:solidFill>
@@ -4378,19 +4454,19 @@
       </p:sp>
       <p:cxnSp>
         <p:nvCxnSpPr>
-          <p:cNvPr id="38" name="Straight Arrow Connector 37"/>
-          <p:cNvCxnSpPr>
-            <a:stCxn id="37" idx="1"/>
-          </p:cNvCxnSpPr>
+          <p:cNvPr id="45" name="Elbow Connector 44"/>
+          <p:cNvCxnSpPr/>
           <p:nvPr/>
         </p:nvCxnSpPr>
         <p:spPr>
-          <a:xfrm flipH="1">
-            <a:off x="6776457" y="3009265"/>
-            <a:ext cx="1450126" cy="6579"/>
-          </a:xfrm>
-          <a:prstGeom prst="straightConnector1">
-            <a:avLst/>
+          <a:xfrm rot="16200000" flipH="1">
+            <a:off x="4053926" y="4215958"/>
+            <a:ext cx="1937228" cy="4"/>
+          </a:xfrm>
+          <a:prstGeom prst="bentConnector3">
+            <a:avLst>
+              <a:gd name="adj1" fmla="val 50000"/>
+            </a:avLst>
           </a:prstGeom>
           <a:ln w="31750">
             <a:solidFill>
@@ -4398,7 +4474,8 @@
                 <a:alpha val="63000"/>
               </a:srgbClr>
             </a:solidFill>
-            <a:headEnd type="triangle"/>
+            <a:prstDash val="sysDash"/>
+            <a:headEnd w="lg" len="lg"/>
             <a:tailEnd type="triangle"/>
           </a:ln>
         </p:spPr>
@@ -4419,20 +4496,19 @@
       </p:cxnSp>
       <p:cxnSp>
         <p:nvCxnSpPr>
-          <p:cNvPr id="39" name="Straight Arrow Connector 38"/>
-          <p:cNvCxnSpPr>
-            <a:stCxn id="37" idx="2"/>
-            <a:endCxn id="31" idx="0"/>
-          </p:cNvCxnSpPr>
+          <p:cNvPr id="47" name="Elbow Connector 46"/>
+          <p:cNvCxnSpPr/>
           <p:nvPr/>
         </p:nvCxnSpPr>
         <p:spPr>
-          <a:xfrm>
-            <a:off x="9328232" y="3362352"/>
-            <a:ext cx="2953" cy="539246"/>
-          </a:xfrm>
-          <a:prstGeom prst="straightConnector1">
-            <a:avLst/>
+          <a:xfrm rot="16200000" flipH="1">
+            <a:off x="2371925" y="4215025"/>
+            <a:ext cx="1937228" cy="4"/>
+          </a:xfrm>
+          <a:prstGeom prst="bentConnector3">
+            <a:avLst>
+              <a:gd name="adj1" fmla="val 50000"/>
+            </a:avLst>
           </a:prstGeom>
           <a:ln w="31750">
             <a:solidFill>
@@ -4440,7 +4516,8 @@
                 <a:alpha val="63000"/>
               </a:srgbClr>
             </a:solidFill>
-            <a:headEnd type="triangle"/>
+            <a:prstDash val="sysDash"/>
+            <a:headEnd w="lg" len="lg"/>
             <a:tailEnd type="triangle"/>
           </a:ln>
         </p:spPr>
@@ -4461,17 +4538,19 @@
       </p:cxnSp>
       <p:cxnSp>
         <p:nvCxnSpPr>
-          <p:cNvPr id="41" name="Straight Arrow Connector 40"/>
+          <p:cNvPr id="60" name="Elbow Connector 59"/>
           <p:cNvCxnSpPr/>
           <p:nvPr/>
         </p:nvCxnSpPr>
         <p:spPr>
-          <a:xfrm flipH="1">
-            <a:off x="6776465" y="4254693"/>
-            <a:ext cx="878178" cy="0"/>
-          </a:xfrm>
-          <a:prstGeom prst="straightConnector1">
-            <a:avLst/>
+          <a:xfrm>
+            <a:off x="5013836" y="4627465"/>
+            <a:ext cx="4367297" cy="570156"/>
+          </a:xfrm>
+          <a:prstGeom prst="bentConnector3">
+            <a:avLst>
+              <a:gd name="adj1" fmla="val 99793"/>
+            </a:avLst>
           </a:prstGeom>
           <a:ln w="31750">
             <a:solidFill>
@@ -4479,7 +4558,8 @@
                 <a:alpha val="63000"/>
               </a:srgbClr>
             </a:solidFill>
-            <a:headEnd type="triangle"/>
+            <a:prstDash val="sysDash"/>
+            <a:headEnd w="lg" len="lg"/>
             <a:tailEnd type="triangle"/>
           </a:ln>
         </p:spPr>
@@ -4498,16 +4578,76 @@
           </a:fontRef>
         </p:style>
       </p:cxnSp>
+      <p:sp>
+        <p:nvSpPr>
+          <p:cNvPr id="30" name="Rounded Rectangle 29"/>
+          <p:cNvSpPr/>
+          <p:nvPr/>
+        </p:nvSpPr>
+        <p:spPr>
+          <a:xfrm>
+            <a:off x="-4434339" y="377617"/>
+            <a:ext cx="1513166" cy="750372"/>
+          </a:xfrm>
+          <a:prstGeom prst="roundRect">
+            <a:avLst/>
+          </a:prstGeom>
+          <a:solidFill>
+            <a:srgbClr val="FDF373"/>
+          </a:solidFill>
+          <a:ln>
+            <a:solidFill>
+              <a:schemeClr val="accent4">
+                <a:lumMod val="60000"/>
+                <a:lumOff val="40000"/>
+              </a:schemeClr>
+            </a:solidFill>
+          </a:ln>
+        </p:spPr>
+        <p:style>
+          <a:lnRef idx="2">
+            <a:schemeClr val="accent1">
+              <a:shade val="50000"/>
+            </a:schemeClr>
+          </a:lnRef>
+          <a:fillRef idx="1">
+            <a:schemeClr val="accent1"/>
+          </a:fillRef>
+          <a:effectRef idx="0">
+            <a:schemeClr val="accent1"/>
+          </a:effectRef>
+          <a:fontRef idx="minor">
+            <a:schemeClr val="lt1"/>
+          </a:fontRef>
+        </p:style>
+        <p:txBody>
+          <a:bodyPr rtlCol="0" anchor="ctr"/>
+          <a:lstStyle/>
+          <a:p>
+            <a:pPr algn="ctr"/>
+            <a:r>
+              <a:rPr lang="en-US" sz="1782" dirty="0">
+                <a:solidFill>
+                  <a:srgbClr val="666633"/>
+                </a:solidFill>
+              </a:rPr>
+              <a:t>Constructing the AUAST</a:t>
+            </a:r>
+          </a:p>
+        </p:txBody>
+      </p:sp>
       <p:cxnSp>
         <p:nvCxnSpPr>
-          <p:cNvPr id="45" name="Elbow Connector 44"/>
-          <p:cNvCxnSpPr/>
+          <p:cNvPr id="44" name="Elbow Connector 43"/>
+          <p:cNvCxnSpPr>
+            <a:stCxn id="30" idx="2"/>
+          </p:cNvCxnSpPr>
           <p:nvPr/>
         </p:nvCxnSpPr>
         <p:spPr>
-          <a:xfrm rot="16200000" flipH="1">
-            <a:off x="4599899" y="5506053"/>
-            <a:ext cx="1937228" cy="3"/>
+          <a:xfrm rot="5400000">
+            <a:off x="-5160413" y="1405719"/>
+            <a:ext cx="1760390" cy="1204925"/>
           </a:xfrm>
           <a:prstGeom prst="bentConnector3">
             <a:avLst>
@@ -4539,16 +4679,52 @@
           </a:fontRef>
         </p:style>
       </p:cxnSp>
+      <p:sp>
+        <p:nvSpPr>
+          <p:cNvPr id="46" name="TextBox 45"/>
+          <p:cNvSpPr txBox="1"/>
+          <p:nvPr/>
+        </p:nvSpPr>
+        <p:spPr>
+          <a:xfrm>
+            <a:off x="-4187891" y="-458712"/>
+            <a:ext cx="1020275" cy="326371"/>
+          </a:xfrm>
+          <a:prstGeom prst="rect">
+            <a:avLst/>
+          </a:prstGeom>
+          <a:noFill/>
+        </p:spPr>
+        <p:txBody>
+          <a:bodyPr wrap="square" rtlCol="0">
+            <a:spAutoFit/>
+          </a:bodyPr>
+          <a:lstStyle/>
+          <a:p>
+            <a:r>
+              <a:rPr lang="en-US" sz="1521" dirty="0">
+                <a:solidFill>
+                  <a:srgbClr val="666633"/>
+                </a:solidFill>
+              </a:rPr>
+              <a:t>  CAST B</a:t>
+            </a:r>
+          </a:p>
+        </p:txBody>
+      </p:sp>
       <p:cxnSp>
         <p:nvCxnSpPr>
-          <p:cNvPr id="47" name="Elbow Connector 46"/>
-          <p:cNvCxnSpPr/>
+          <p:cNvPr id="48" name="Elbow Connector 47"/>
+          <p:cNvCxnSpPr>
+            <a:stCxn id="46" idx="2"/>
+            <a:endCxn id="30" idx="0"/>
+          </p:cNvCxnSpPr>
           <p:nvPr/>
         </p:nvCxnSpPr>
         <p:spPr>
-          <a:xfrm rot="16200000" flipH="1">
-            <a:off x="2917899" y="5505120"/>
-            <a:ext cx="1937228" cy="3"/>
+          <a:xfrm rot="5400000">
+            <a:off x="-3932733" y="122638"/>
+            <a:ext cx="509958" cy="3"/>
           </a:xfrm>
           <a:prstGeom prst="bentConnector3">
             <a:avLst>
@@ -4580,56 +4756,56 @@
           </a:fontRef>
         </p:style>
       </p:cxnSp>
-      <p:cxnSp>
-        <p:nvCxnSpPr>
-          <p:cNvPr id="60" name="Elbow Connector 59"/>
-          <p:cNvCxnSpPr/>
+      <p:sp>
+        <p:nvSpPr>
+          <p:cNvPr id="70" name="TextBox 69"/>
+          <p:cNvSpPr txBox="1"/>
           <p:nvPr/>
-        </p:nvCxnSpPr>
+        </p:nvSpPr>
         <p:spPr>
           <a:xfrm>
-            <a:off x="5559804" y="5917564"/>
-            <a:ext cx="4367297" cy="570156"/>
-          </a:xfrm>
-          <a:prstGeom prst="bentConnector3">
-            <a:avLst>
-              <a:gd name="adj1" fmla="val 99793"/>
-            </a:avLst>
+            <a:off x="2689568" y="214059"/>
+            <a:ext cx="1262574" cy="399981"/>
+          </a:xfrm>
+          <a:prstGeom prst="rect">
+            <a:avLst/>
           </a:prstGeom>
-          <a:ln w="31750">
-            <a:solidFill>
-              <a:srgbClr val="666633">
-                <a:alpha val="63000"/>
-              </a:srgbClr>
-            </a:solidFill>
-            <a:headEnd w="lg" len="lg"/>
-            <a:tailEnd type="triangle"/>
-          </a:ln>
-        </p:spPr>
-        <p:style>
-          <a:lnRef idx="1">
-            <a:schemeClr val="accent1"/>
-          </a:lnRef>
-          <a:fillRef idx="0">
-            <a:schemeClr val="accent1"/>
-          </a:fillRef>
-          <a:effectRef idx="0">
-            <a:schemeClr val="accent1"/>
-          </a:effectRef>
-          <a:fontRef idx="minor">
-            <a:schemeClr val="tx1"/>
-          </a:fontRef>
-        </p:style>
-      </p:cxnSp>
-      <p:sp>
-        <p:nvSpPr>
-          <p:cNvPr id="30" name="Rounded Rectangle 29"/>
+          <a:noFill/>
+        </p:spPr>
+        <p:txBody>
+          <a:bodyPr wrap="square" rtlCol="0">
+            <a:spAutoFit/>
+          </a:bodyPr>
+          <a:lstStyle/>
+          <a:p>
+            <a:r>
+              <a:rPr lang="en-US" sz="1999" dirty="0">
+                <a:solidFill>
+                  <a:srgbClr val="666633"/>
+                </a:solidFill>
+              </a:rPr>
+              <a:t>  AUAST </a:t>
+            </a:r>
+            <a:r>
+              <a:rPr lang="en-US" sz="1999" i="1" dirty="0">
+                <a:solidFill>
+                  <a:srgbClr val="666633"/>
+                </a:solidFill>
+              </a:rPr>
+              <a:t>A</a:t>
+            </a:r>
+          </a:p>
+        </p:txBody>
+      </p:sp>
+      <p:sp>
+        <p:nvSpPr>
+          <p:cNvPr id="72" name="Rounded Rectangle 71"/>
           <p:cNvSpPr/>
           <p:nvPr/>
         </p:nvSpPr>
         <p:spPr>
           <a:xfrm>
-            <a:off x="-4434339" y="1997661"/>
+            <a:off x="-6149402" y="377615"/>
             <a:ext cx="1513166" cy="750372"/>
           </a:xfrm>
           <a:prstGeom prst="roundRect">
@@ -4681,16 +4857,16 @@
       </p:sp>
       <p:cxnSp>
         <p:nvCxnSpPr>
-          <p:cNvPr id="44" name="Elbow Connector 43"/>
+          <p:cNvPr id="74" name="Elbow Connector 73"/>
           <p:cNvCxnSpPr>
-            <a:stCxn id="30" idx="2"/>
+            <a:stCxn id="72" idx="2"/>
           </p:cNvCxnSpPr>
           <p:nvPr/>
         </p:nvCxnSpPr>
         <p:spPr>
           <a:xfrm rot="5400000">
-            <a:off x="-5160413" y="3025761"/>
-            <a:ext cx="1760390" cy="1204925"/>
+            <a:off x="-6321106" y="1960090"/>
+            <a:ext cx="1760390" cy="96193"/>
           </a:xfrm>
           <a:prstGeom prst="bentConnector3">
             <a:avLst>
@@ -4724,13 +4900,13 @@
       </p:cxnSp>
       <p:sp>
         <p:nvSpPr>
-          <p:cNvPr id="46" name="TextBox 45"/>
+          <p:cNvPr id="75" name="TextBox 74"/>
           <p:cNvSpPr txBox="1"/>
           <p:nvPr/>
         </p:nvSpPr>
         <p:spPr>
           <a:xfrm>
-            <a:off x="-4187891" y="1161332"/>
+            <a:off x="-5902956" y="-458713"/>
             <a:ext cx="1020275" cy="326371"/>
           </a:xfrm>
           <a:prstGeom prst="rect">
@@ -4750,24 +4926,24 @@
                   <a:srgbClr val="666633"/>
                 </a:solidFill>
               </a:rPr>
-              <a:t>  CAST B</a:t>
+              <a:t>  CAST A</a:t>
             </a:r>
           </a:p>
         </p:txBody>
       </p:sp>
       <p:cxnSp>
         <p:nvCxnSpPr>
-          <p:cNvPr id="48" name="Elbow Connector 47"/>
+          <p:cNvPr id="76" name="Elbow Connector 75"/>
           <p:cNvCxnSpPr>
-            <a:stCxn id="46" idx="2"/>
-            <a:endCxn id="30" idx="0"/>
+            <a:stCxn id="75" idx="2"/>
+            <a:endCxn id="72" idx="0"/>
           </p:cNvCxnSpPr>
           <p:nvPr/>
         </p:nvCxnSpPr>
         <p:spPr>
           <a:xfrm rot="5400000">
-            <a:off x="-3932732" y="1742681"/>
-            <a:ext cx="509959" cy="3"/>
+            <a:off x="-5647795" y="122637"/>
+            <a:ext cx="509957" cy="1"/>
           </a:xfrm>
           <a:prstGeom prst="bentConnector3">
             <a:avLst>
@@ -4799,51 +4975,18 @@
           </a:fontRef>
         </p:style>
       </p:cxnSp>
-      <p:sp>
-        <p:nvSpPr>
-          <p:cNvPr id="70" name="TextBox 69"/>
-          <p:cNvSpPr txBox="1"/>
-          <p:nvPr/>
-        </p:nvSpPr>
-        <p:spPr>
-          <a:xfrm>
-            <a:off x="3331464" y="1539267"/>
-            <a:ext cx="1073321" cy="326371"/>
-          </a:xfrm>
-          <a:prstGeom prst="rect">
-            <a:avLst/>
-          </a:prstGeom>
-          <a:noFill/>
-        </p:spPr>
-        <p:txBody>
-          <a:bodyPr wrap="square" rtlCol="0">
-            <a:spAutoFit/>
-          </a:bodyPr>
-          <a:lstStyle/>
-          <a:p>
-            <a:r>
-              <a:rPr lang="en-US" sz="1521" dirty="0">
-                <a:solidFill>
-                  <a:srgbClr val="666633"/>
-                </a:solidFill>
-              </a:rPr>
-              <a:t>   AUAST A</a:t>
-            </a:r>
-          </a:p>
-        </p:txBody>
-      </p:sp>
       <p:cxnSp>
         <p:nvCxnSpPr>
-          <p:cNvPr id="71" name="Elbow Connector 70"/>
+          <p:cNvPr id="42" name="Elbow Connector 41"/>
           <p:cNvCxnSpPr>
-            <a:stCxn id="70" idx="2"/>
+            <a:endCxn id="106" idx="0"/>
           </p:cNvCxnSpPr>
           <p:nvPr/>
         </p:nvCxnSpPr>
         <p:spPr>
           <a:xfrm rot="5400000">
-            <a:off x="3488049" y="2241870"/>
-            <a:ext cx="756309" cy="3845"/>
+            <a:off x="8287002" y="7422782"/>
+            <a:ext cx="628149" cy="1062"/>
           </a:xfrm>
           <a:prstGeom prst="bentConnector3">
             <a:avLst>
@@ -4856,6 +4999,7 @@
                 <a:alpha val="63000"/>
               </a:srgbClr>
             </a:solidFill>
+            <a:prstDash val="sysDash"/>
             <a:headEnd w="lg" len="lg"/>
             <a:tailEnd type="triangle"/>
           </a:ln>
@@ -4875,76 +5019,16 @@
           </a:fontRef>
         </p:style>
       </p:cxnSp>
-      <p:sp>
-        <p:nvSpPr>
-          <p:cNvPr id="72" name="Rounded Rectangle 71"/>
-          <p:cNvSpPr/>
-          <p:nvPr/>
-        </p:nvSpPr>
-        <p:spPr>
-          <a:xfrm>
-            <a:off x="-6149402" y="1997659"/>
-            <a:ext cx="1513166" cy="750372"/>
-          </a:xfrm>
-          <a:prstGeom prst="roundRect">
-            <a:avLst/>
-          </a:prstGeom>
-          <a:solidFill>
-            <a:srgbClr val="FDF373"/>
-          </a:solidFill>
-          <a:ln>
-            <a:solidFill>
-              <a:schemeClr val="accent4">
-                <a:lumMod val="60000"/>
-                <a:lumOff val="40000"/>
-              </a:schemeClr>
-            </a:solidFill>
-          </a:ln>
-        </p:spPr>
-        <p:style>
-          <a:lnRef idx="2">
-            <a:schemeClr val="accent1">
-              <a:shade val="50000"/>
-            </a:schemeClr>
-          </a:lnRef>
-          <a:fillRef idx="1">
-            <a:schemeClr val="accent1"/>
-          </a:fillRef>
-          <a:effectRef idx="0">
-            <a:schemeClr val="accent1"/>
-          </a:effectRef>
-          <a:fontRef idx="minor">
-            <a:schemeClr val="lt1"/>
-          </a:fontRef>
-        </p:style>
-        <p:txBody>
-          <a:bodyPr rtlCol="0" anchor="ctr"/>
-          <a:lstStyle/>
-          <a:p>
-            <a:pPr algn="ctr"/>
-            <a:r>
-              <a:rPr lang="en-US" sz="1782" dirty="0">
-                <a:solidFill>
-                  <a:srgbClr val="666633"/>
-                </a:solidFill>
-              </a:rPr>
-              <a:t>Constructing the AUAST</a:t>
-            </a:r>
-          </a:p>
-        </p:txBody>
-      </p:sp>
       <p:cxnSp>
         <p:nvCxnSpPr>
-          <p:cNvPr id="74" name="Elbow Connector 73"/>
-          <p:cNvCxnSpPr>
-            <a:stCxn id="72" idx="2"/>
-          </p:cNvCxnSpPr>
+          <p:cNvPr id="49" name="Elbow Connector 48"/>
+          <p:cNvCxnSpPr/>
           <p:nvPr/>
         </p:nvCxnSpPr>
         <p:spPr>
           <a:xfrm rot="5400000">
-            <a:off x="-6321106" y="3580132"/>
-            <a:ext cx="1760390" cy="96193"/>
+            <a:off x="3784268" y="7408934"/>
+            <a:ext cx="628150" cy="1048"/>
           </a:xfrm>
           <a:prstGeom prst="bentConnector3">
             <a:avLst>
@@ -4957,6 +5041,7 @@
                 <a:alpha val="63000"/>
               </a:srgbClr>
             </a:solidFill>
+            <a:prstDash val="sysDash"/>
             <a:headEnd w="lg" len="lg"/>
             <a:tailEnd type="triangle"/>
           </a:ln>
@@ -4976,52 +5061,16 @@
           </a:fontRef>
         </p:style>
       </p:cxnSp>
-      <p:sp>
-        <p:nvSpPr>
-          <p:cNvPr id="75" name="TextBox 74"/>
-          <p:cNvSpPr txBox="1"/>
-          <p:nvPr/>
-        </p:nvSpPr>
-        <p:spPr>
-          <a:xfrm>
-            <a:off x="-5902956" y="1161331"/>
-            <a:ext cx="1020275" cy="326371"/>
-          </a:xfrm>
-          <a:prstGeom prst="rect">
-            <a:avLst/>
-          </a:prstGeom>
-          <a:noFill/>
-        </p:spPr>
-        <p:txBody>
-          <a:bodyPr wrap="square" rtlCol="0">
-            <a:spAutoFit/>
-          </a:bodyPr>
-          <a:lstStyle/>
-          <a:p>
-            <a:r>
-              <a:rPr lang="en-US" sz="1521" dirty="0">
-                <a:solidFill>
-                  <a:srgbClr val="666633"/>
-                </a:solidFill>
-              </a:rPr>
-              <a:t>  CAST A</a:t>
-            </a:r>
-          </a:p>
-        </p:txBody>
-      </p:sp>
       <p:cxnSp>
         <p:nvCxnSpPr>
-          <p:cNvPr id="76" name="Elbow Connector 75"/>
-          <p:cNvCxnSpPr>
-            <a:stCxn id="75" idx="2"/>
-            <a:endCxn id="72" idx="0"/>
-          </p:cNvCxnSpPr>
+          <p:cNvPr id="50" name="Elbow Connector 49"/>
+          <p:cNvCxnSpPr/>
           <p:nvPr/>
         </p:nvCxnSpPr>
         <p:spPr>
           <a:xfrm rot="5400000">
-            <a:off x="-5647797" y="1742681"/>
-            <a:ext cx="509958" cy="1"/>
+            <a:off x="2941030" y="965019"/>
+            <a:ext cx="761485" cy="1834"/>
           </a:xfrm>
           <a:prstGeom prst="bentConnector3">
             <a:avLst>
@@ -5034,6 +5083,7 @@
                 <a:alpha val="63000"/>
               </a:srgbClr>
             </a:solidFill>
+            <a:prstDash val="sysDash"/>
             <a:headEnd w="lg" len="lg"/>
             <a:tailEnd type="triangle"/>
           </a:ln>
@@ -5055,19 +5105,19 @@
       </p:cxnSp>
       <p:cxnSp>
         <p:nvCxnSpPr>
-          <p:cNvPr id="42" name="Elbow Connector 41"/>
-          <p:cNvCxnSpPr/>
+          <p:cNvPr id="17" name="Straight Arrow Connector 16"/>
+          <p:cNvCxnSpPr>
+            <a:endCxn id="37" idx="1"/>
+          </p:cNvCxnSpPr>
           <p:nvPr/>
         </p:nvCxnSpPr>
         <p:spPr>
-          <a:xfrm rot="5400000">
-            <a:off x="8767736" y="8524249"/>
-            <a:ext cx="761485" cy="1834"/>
-          </a:xfrm>
-          <a:prstGeom prst="bentConnector3">
-            <a:avLst>
-              <a:gd name="adj1" fmla="val 50000"/>
-            </a:avLst>
+          <a:xfrm>
+            <a:off x="6230492" y="1719167"/>
+            <a:ext cx="1450122" cy="1"/>
+          </a:xfrm>
+          <a:prstGeom prst="straightConnector1">
+            <a:avLst/>
           </a:prstGeom>
           <a:ln w="31750">
             <a:solidFill>
@@ -5096,19 +5146,19 @@
       </p:cxnSp>
       <p:cxnSp>
         <p:nvCxnSpPr>
-          <p:cNvPr id="43" name="Elbow Connector 42"/>
-          <p:cNvCxnSpPr/>
+          <p:cNvPr id="54" name="Straight Arrow Connector 53"/>
+          <p:cNvCxnSpPr>
+            <a:endCxn id="31" idx="1"/>
+          </p:cNvCxnSpPr>
           <p:nvPr/>
         </p:nvCxnSpPr>
         <p:spPr>
-          <a:xfrm rot="5400000">
-            <a:off x="4312985" y="8636224"/>
-            <a:ext cx="761485" cy="1834"/>
-          </a:xfrm>
-          <a:prstGeom prst="bentConnector3">
-            <a:avLst>
-              <a:gd name="adj1" fmla="val 88324"/>
-            </a:avLst>
+          <a:xfrm>
+            <a:off x="6230492" y="2964617"/>
+            <a:ext cx="878175" cy="1"/>
+          </a:xfrm>
+          <a:prstGeom prst="straightConnector1">
+            <a:avLst/>
           </a:prstGeom>
           <a:ln w="31750">
             <a:solidFill>
